--- a/PR-Folder/Projekt_blob_präsentation.pptx
+++ b/PR-Folder/Projekt_blob_präsentation.pptx
@@ -4121,6 +4121,18 @@
   <p:clrMapOvr>
     <a:masterClrMapping/>
   </p:clrMapOvr>
+  <mc:AlternateContent xmlns:mc="http://schemas.openxmlformats.org/markup-compatibility/2006">
+    <mc:Choice xmlns:p14="http://schemas.microsoft.com/office/powerpoint/2010/main" Requires="p14">
+      <p:transition spd="slow" p14:dur="1250">
+        <p14:switch dir="r"/>
+      </p:transition>
+    </mc:Choice>
+    <mc:Fallback>
+      <p:transition spd="slow">
+        <p:fade/>
+      </p:transition>
+    </mc:Fallback>
+  </mc:AlternateContent>
 </p:sldLayout>
 </file>
 
@@ -4321,6 +4333,18 @@
   <p:clrMapOvr>
     <a:masterClrMapping/>
   </p:clrMapOvr>
+  <mc:AlternateContent xmlns:mc="http://schemas.openxmlformats.org/markup-compatibility/2006">
+    <mc:Choice xmlns:p14="http://schemas.microsoft.com/office/powerpoint/2010/main" Requires="p14">
+      <p:transition spd="slow" p14:dur="1250">
+        <p14:switch dir="r"/>
+      </p:transition>
+    </mc:Choice>
+    <mc:Fallback>
+      <p:transition spd="slow">
+        <p:fade/>
+      </p:transition>
+    </mc:Fallback>
+  </mc:AlternateContent>
 </p:sldLayout>
 </file>
 
@@ -4531,6 +4555,18 @@
   <p:clrMapOvr>
     <a:masterClrMapping/>
   </p:clrMapOvr>
+  <mc:AlternateContent xmlns:mc="http://schemas.openxmlformats.org/markup-compatibility/2006">
+    <mc:Choice xmlns:p14="http://schemas.microsoft.com/office/powerpoint/2010/main" Requires="p14">
+      <p:transition spd="slow" p14:dur="1250">
+        <p14:switch dir="r"/>
+      </p:transition>
+    </mc:Choice>
+    <mc:Fallback>
+      <p:transition spd="slow">
+        <p:fade/>
+      </p:transition>
+    </mc:Fallback>
+  </mc:AlternateContent>
 </p:sldLayout>
 </file>
 
@@ -4731,6 +4767,18 @@
   <p:clrMapOvr>
     <a:masterClrMapping/>
   </p:clrMapOvr>
+  <mc:AlternateContent xmlns:mc="http://schemas.openxmlformats.org/markup-compatibility/2006">
+    <mc:Choice xmlns:p14="http://schemas.microsoft.com/office/powerpoint/2010/main" Requires="p14">
+      <p:transition spd="slow" p14:dur="1250">
+        <p14:switch dir="r"/>
+      </p:transition>
+    </mc:Choice>
+    <mc:Fallback>
+      <p:transition spd="slow">
+        <p:fade/>
+      </p:transition>
+    </mc:Fallback>
+  </mc:AlternateContent>
 </p:sldLayout>
 </file>
 
@@ -5007,6 +5055,18 @@
   <p:clrMapOvr>
     <a:masterClrMapping/>
   </p:clrMapOvr>
+  <mc:AlternateContent xmlns:mc="http://schemas.openxmlformats.org/markup-compatibility/2006">
+    <mc:Choice xmlns:p14="http://schemas.microsoft.com/office/powerpoint/2010/main" Requires="p14">
+      <p:transition spd="slow" p14:dur="1250">
+        <p14:switch dir="r"/>
+      </p:transition>
+    </mc:Choice>
+    <mc:Fallback>
+      <p:transition spd="slow">
+        <p:fade/>
+      </p:transition>
+    </mc:Fallback>
+  </mc:AlternateContent>
 </p:sldLayout>
 </file>
 
@@ -5275,6 +5335,18 @@
   <p:clrMapOvr>
     <a:masterClrMapping/>
   </p:clrMapOvr>
+  <mc:AlternateContent xmlns:mc="http://schemas.openxmlformats.org/markup-compatibility/2006">
+    <mc:Choice xmlns:p14="http://schemas.microsoft.com/office/powerpoint/2010/main" Requires="p14">
+      <p:transition spd="slow" p14:dur="1250">
+        <p14:switch dir="r"/>
+      </p:transition>
+    </mc:Choice>
+    <mc:Fallback>
+      <p:transition spd="slow">
+        <p:fade/>
+      </p:transition>
+    </mc:Fallback>
+  </mc:AlternateContent>
 </p:sldLayout>
 </file>
 
@@ -5690,6 +5762,18 @@
   <p:clrMapOvr>
     <a:masterClrMapping/>
   </p:clrMapOvr>
+  <mc:AlternateContent xmlns:mc="http://schemas.openxmlformats.org/markup-compatibility/2006">
+    <mc:Choice xmlns:p14="http://schemas.microsoft.com/office/powerpoint/2010/main" Requires="p14">
+      <p:transition spd="slow" p14:dur="1250">
+        <p14:switch dir="r"/>
+      </p:transition>
+    </mc:Choice>
+    <mc:Fallback>
+      <p:transition spd="slow">
+        <p:fade/>
+      </p:transition>
+    </mc:Fallback>
+  </mc:AlternateContent>
 </p:sldLayout>
 </file>
 
@@ -5832,6 +5916,18 @@
   <p:clrMapOvr>
     <a:masterClrMapping/>
   </p:clrMapOvr>
+  <mc:AlternateContent xmlns:mc="http://schemas.openxmlformats.org/markup-compatibility/2006">
+    <mc:Choice xmlns:p14="http://schemas.microsoft.com/office/powerpoint/2010/main" Requires="p14">
+      <p:transition spd="slow" p14:dur="1250">
+        <p14:switch dir="r"/>
+      </p:transition>
+    </mc:Choice>
+    <mc:Fallback>
+      <p:transition spd="slow">
+        <p:fade/>
+      </p:transition>
+    </mc:Fallback>
+  </mc:AlternateContent>
 </p:sldLayout>
 </file>
 
@@ -5945,6 +6041,18 @@
   <p:clrMapOvr>
     <a:masterClrMapping/>
   </p:clrMapOvr>
+  <mc:AlternateContent xmlns:mc="http://schemas.openxmlformats.org/markup-compatibility/2006">
+    <mc:Choice xmlns:p14="http://schemas.microsoft.com/office/powerpoint/2010/main" Requires="p14">
+      <p:transition spd="slow" p14:dur="1250">
+        <p14:switch dir="r"/>
+      </p:transition>
+    </mc:Choice>
+    <mc:Fallback>
+      <p:transition spd="slow">
+        <p:fade/>
+      </p:transition>
+    </mc:Fallback>
+  </mc:AlternateContent>
 </p:sldLayout>
 </file>
 
@@ -6258,6 +6366,18 @@
   <p:clrMapOvr>
     <a:masterClrMapping/>
   </p:clrMapOvr>
+  <mc:AlternateContent xmlns:mc="http://schemas.openxmlformats.org/markup-compatibility/2006">
+    <mc:Choice xmlns:p14="http://schemas.microsoft.com/office/powerpoint/2010/main" Requires="p14">
+      <p:transition spd="slow" p14:dur="1250">
+        <p14:switch dir="r"/>
+      </p:transition>
+    </mc:Choice>
+    <mc:Fallback>
+      <p:transition spd="slow">
+        <p:fade/>
+      </p:transition>
+    </mc:Fallback>
+  </mc:AlternateContent>
 </p:sldLayout>
 </file>
 
@@ -6547,6 +6667,18 @@
   <p:clrMapOvr>
     <a:masterClrMapping/>
   </p:clrMapOvr>
+  <mc:AlternateContent xmlns:mc="http://schemas.openxmlformats.org/markup-compatibility/2006">
+    <mc:Choice xmlns:p14="http://schemas.microsoft.com/office/powerpoint/2010/main" Requires="p14">
+      <p:transition spd="slow" p14:dur="1250">
+        <p14:switch dir="r"/>
+      </p:transition>
+    </mc:Choice>
+    <mc:Fallback>
+      <p:transition spd="slow">
+        <p:fade/>
+      </p:transition>
+    </mc:Fallback>
+  </mc:AlternateContent>
 </p:sldLayout>
 </file>
 
@@ -6837,6 +6969,18 @@
     <p:sldLayoutId id="2147483658" r:id="rId10"/>
     <p:sldLayoutId id="2147483659" r:id="rId11"/>
   </p:sldLayoutIdLst>
+  <mc:AlternateContent xmlns:mc="http://schemas.openxmlformats.org/markup-compatibility/2006">
+    <mc:Choice xmlns:p14="http://schemas.microsoft.com/office/powerpoint/2010/main" Requires="p14">
+      <p:transition spd="slow" p14:dur="1250">
+        <p14:switch dir="r"/>
+      </p:transition>
+    </mc:Choice>
+    <mc:Fallback>
+      <p:transition spd="slow">
+        <p:fade/>
+      </p:transition>
+    </mc:Fallback>
+  </mc:AlternateContent>
   <p:txStyles>
     <p:titleStyle>
       <a:lvl1pPr algn="l" defTabSz="914400" rtl="0" eaLnBrk="1" latinLnBrk="0" hangingPunct="1">
@@ -7633,6 +7777,14 @@
   <p:clrMapOvr>
     <a:overrideClrMapping bg1="dk1" tx1="lt1" bg2="dk2" tx2="lt2" accent1="accent1" accent2="accent2" accent3="accent3" accent4="accent4" accent5="accent5" accent6="accent6" hlink="hlink" folHlink="folHlink"/>
   </p:clrMapOvr>
+  <mc:AlternateContent xmlns:mc="http://schemas.openxmlformats.org/markup-compatibility/2006">
+    <mc:Choice xmlns:p14="http://schemas.microsoft.com/office/powerpoint/2010/main" Requires="p14">
+      <p:transition p14:dur="0"/>
+    </mc:Choice>
+    <mc:Fallback>
+      <p:transition/>
+    </mc:Fallback>
+  </mc:AlternateContent>
 </p:sld>
 </file>
 
@@ -8182,6 +8334,18 @@
   <p:clrMapOvr>
     <a:overrideClrMapping bg1="dk1" tx1="lt1" bg2="dk2" tx2="lt2" accent1="accent1" accent2="accent2" accent3="accent3" accent4="accent4" accent5="accent5" accent6="accent6" hlink="hlink" folHlink="folHlink"/>
   </p:clrMapOvr>
+  <mc:AlternateContent xmlns:mc="http://schemas.openxmlformats.org/markup-compatibility/2006">
+    <mc:Choice xmlns:p14="http://schemas.microsoft.com/office/powerpoint/2010/main" Requires="p14">
+      <p:transition spd="slow" p14:dur="1250">
+        <p14:switch dir="r"/>
+      </p:transition>
+    </mc:Choice>
+    <mc:Fallback>
+      <p:transition spd="slow">
+        <p:fade/>
+      </p:transition>
+    </mc:Fallback>
+  </mc:AlternateContent>
 </p:sld>
 </file>
 
@@ -8702,6 +8866,18 @@
   <p:clrMapOvr>
     <a:overrideClrMapping bg1="dk1" tx1="lt1" bg2="dk2" tx2="lt2" accent1="accent1" accent2="accent2" accent3="accent3" accent4="accent4" accent5="accent5" accent6="accent6" hlink="hlink" folHlink="folHlink"/>
   </p:clrMapOvr>
+  <mc:AlternateContent xmlns:mc="http://schemas.openxmlformats.org/markup-compatibility/2006">
+    <mc:Choice xmlns:p14="http://schemas.microsoft.com/office/powerpoint/2010/main" Requires="p14">
+      <p:transition spd="slow" p14:dur="1250">
+        <p14:switch dir="r"/>
+      </p:transition>
+    </mc:Choice>
+    <mc:Fallback>
+      <p:transition spd="slow">
+        <p:fade/>
+      </p:transition>
+    </mc:Fallback>
+  </mc:AlternateContent>
 </p:sld>
 </file>
 
@@ -9088,6 +9264,18 @@
   <p:clrMapOvr>
     <a:overrideClrMapping bg1="dk1" tx1="lt1" bg2="dk2" tx2="lt2" accent1="accent1" accent2="accent2" accent3="accent3" accent4="accent4" accent5="accent5" accent6="accent6" hlink="hlink" folHlink="folHlink"/>
   </p:clrMapOvr>
+  <mc:AlternateContent xmlns:mc="http://schemas.openxmlformats.org/markup-compatibility/2006">
+    <mc:Choice xmlns:p14="http://schemas.microsoft.com/office/powerpoint/2010/main" Requires="p14">
+      <p:transition spd="slow" p14:dur="1250">
+        <p14:switch dir="r"/>
+      </p:transition>
+    </mc:Choice>
+    <mc:Fallback>
+      <p:transition spd="slow">
+        <p:fade/>
+      </p:transition>
+    </mc:Fallback>
+  </mc:AlternateContent>
 </p:sld>
 </file>
 
@@ -9603,6 +9791,18 @@
   <p:clrMapOvr>
     <a:masterClrMapping/>
   </p:clrMapOvr>
+  <mc:AlternateContent xmlns:mc="http://schemas.openxmlformats.org/markup-compatibility/2006">
+    <mc:Choice xmlns:p14="http://schemas.microsoft.com/office/powerpoint/2010/main" Requires="p14">
+      <p:transition spd="slow" p14:dur="1250">
+        <p14:switch dir="r"/>
+      </p:transition>
+    </mc:Choice>
+    <mc:Fallback>
+      <p:transition spd="slow">
+        <p:fade/>
+      </p:transition>
+    </mc:Fallback>
+  </mc:AlternateContent>
 </p:sld>
 </file>
 

--- a/PR-Folder/Projekt_blob_präsentation.pptx
+++ b/PR-Folder/Projekt_blob_präsentation.pptx
@@ -4051,7 +4051,7 @@
           <a:p>
             <a:fld id="{AF428C18-7B4D-4F6A-BEEE-E26D9D266513}" type="datetimeFigureOut">
               <a:rPr lang="de-AT" smtClean="0"/>
-              <a:t>21.06.2018</a:t>
+              <a:t>22.06.2018</a:t>
             </a:fld>
             <a:endParaRPr lang="de-AT"/>
           </a:p>
@@ -4121,13 +4121,13 @@
   <p:clrMapOvr>
     <a:masterClrMapping/>
   </p:clrMapOvr>
-  <mc:AlternateContent xmlns:mc="http://schemas.openxmlformats.org/markup-compatibility/2006">
-    <mc:Choice xmlns:p14="http://schemas.microsoft.com/office/powerpoint/2010/main" Requires="p14">
+  <mc:AlternateContent xmlns:mc="http://schemas.openxmlformats.org/markup-compatibility/2006" xmlns:p14="http://schemas.microsoft.com/office/powerpoint/2010/main">
+    <mc:Choice Requires="p14">
       <p:transition spd="slow" p14:dur="1250">
         <p14:switch dir="r"/>
       </p:transition>
     </mc:Choice>
-    <mc:Fallback>
+    <mc:Fallback xmlns="">
       <p:transition spd="slow">
         <p:fade/>
       </p:transition>
@@ -4263,7 +4263,7 @@
           <a:p>
             <a:fld id="{AF428C18-7B4D-4F6A-BEEE-E26D9D266513}" type="datetimeFigureOut">
               <a:rPr lang="de-AT" smtClean="0"/>
-              <a:t>21.06.2018</a:t>
+              <a:t>22.06.2018</a:t>
             </a:fld>
             <a:endParaRPr lang="de-AT"/>
           </a:p>
@@ -4333,13 +4333,13 @@
   <p:clrMapOvr>
     <a:masterClrMapping/>
   </p:clrMapOvr>
-  <mc:AlternateContent xmlns:mc="http://schemas.openxmlformats.org/markup-compatibility/2006">
-    <mc:Choice xmlns:p14="http://schemas.microsoft.com/office/powerpoint/2010/main" Requires="p14">
+  <mc:AlternateContent xmlns:mc="http://schemas.openxmlformats.org/markup-compatibility/2006" xmlns:p14="http://schemas.microsoft.com/office/powerpoint/2010/main">
+    <mc:Choice Requires="p14">
       <p:transition spd="slow" p14:dur="1250">
         <p14:switch dir="r"/>
       </p:transition>
     </mc:Choice>
-    <mc:Fallback>
+    <mc:Fallback xmlns="">
       <p:transition spd="slow">
         <p:fade/>
       </p:transition>
@@ -4485,7 +4485,7 @@
           <a:p>
             <a:fld id="{AF428C18-7B4D-4F6A-BEEE-E26D9D266513}" type="datetimeFigureOut">
               <a:rPr lang="de-AT" smtClean="0"/>
-              <a:t>21.06.2018</a:t>
+              <a:t>22.06.2018</a:t>
             </a:fld>
             <a:endParaRPr lang="de-AT"/>
           </a:p>
@@ -4555,13 +4555,13 @@
   <p:clrMapOvr>
     <a:masterClrMapping/>
   </p:clrMapOvr>
-  <mc:AlternateContent xmlns:mc="http://schemas.openxmlformats.org/markup-compatibility/2006">
-    <mc:Choice xmlns:p14="http://schemas.microsoft.com/office/powerpoint/2010/main" Requires="p14">
+  <mc:AlternateContent xmlns:mc="http://schemas.openxmlformats.org/markup-compatibility/2006" xmlns:p14="http://schemas.microsoft.com/office/powerpoint/2010/main">
+    <mc:Choice Requires="p14">
       <p:transition spd="slow" p14:dur="1250">
         <p14:switch dir="r"/>
       </p:transition>
     </mc:Choice>
-    <mc:Fallback>
+    <mc:Fallback xmlns="">
       <p:transition spd="slow">
         <p:fade/>
       </p:transition>
@@ -4697,7 +4697,7 @@
           <a:p>
             <a:fld id="{AF428C18-7B4D-4F6A-BEEE-E26D9D266513}" type="datetimeFigureOut">
               <a:rPr lang="de-AT" smtClean="0"/>
-              <a:t>21.06.2018</a:t>
+              <a:t>22.06.2018</a:t>
             </a:fld>
             <a:endParaRPr lang="de-AT"/>
           </a:p>
@@ -4767,13 +4767,13 @@
   <p:clrMapOvr>
     <a:masterClrMapping/>
   </p:clrMapOvr>
-  <mc:AlternateContent xmlns:mc="http://schemas.openxmlformats.org/markup-compatibility/2006">
-    <mc:Choice xmlns:p14="http://schemas.microsoft.com/office/powerpoint/2010/main" Requires="p14">
+  <mc:AlternateContent xmlns:mc="http://schemas.openxmlformats.org/markup-compatibility/2006" xmlns:p14="http://schemas.microsoft.com/office/powerpoint/2010/main">
+    <mc:Choice Requires="p14">
       <p:transition spd="slow" p14:dur="1250">
         <p14:switch dir="r"/>
       </p:transition>
     </mc:Choice>
-    <mc:Fallback>
+    <mc:Fallback xmlns="">
       <p:transition spd="slow">
         <p:fade/>
       </p:transition>
@@ -4985,7 +4985,7 @@
           <a:p>
             <a:fld id="{AF428C18-7B4D-4F6A-BEEE-E26D9D266513}" type="datetimeFigureOut">
               <a:rPr lang="de-AT" smtClean="0"/>
-              <a:t>21.06.2018</a:t>
+              <a:t>22.06.2018</a:t>
             </a:fld>
             <a:endParaRPr lang="de-AT"/>
           </a:p>
@@ -5055,13 +5055,13 @@
   <p:clrMapOvr>
     <a:masterClrMapping/>
   </p:clrMapOvr>
-  <mc:AlternateContent xmlns:mc="http://schemas.openxmlformats.org/markup-compatibility/2006">
-    <mc:Choice xmlns:p14="http://schemas.microsoft.com/office/powerpoint/2010/main" Requires="p14">
+  <mc:AlternateContent xmlns:mc="http://schemas.openxmlformats.org/markup-compatibility/2006" xmlns:p14="http://schemas.microsoft.com/office/powerpoint/2010/main">
+    <mc:Choice Requires="p14">
       <p:transition spd="slow" p14:dur="1250">
         <p14:switch dir="r"/>
       </p:transition>
     </mc:Choice>
-    <mc:Fallback>
+    <mc:Fallback xmlns="">
       <p:transition spd="slow">
         <p:fade/>
       </p:transition>
@@ -5265,7 +5265,7 @@
           <a:p>
             <a:fld id="{AF428C18-7B4D-4F6A-BEEE-E26D9D266513}" type="datetimeFigureOut">
               <a:rPr lang="de-AT" smtClean="0"/>
-              <a:t>21.06.2018</a:t>
+              <a:t>22.06.2018</a:t>
             </a:fld>
             <a:endParaRPr lang="de-AT"/>
           </a:p>
@@ -5335,13 +5335,13 @@
   <p:clrMapOvr>
     <a:masterClrMapping/>
   </p:clrMapOvr>
-  <mc:AlternateContent xmlns:mc="http://schemas.openxmlformats.org/markup-compatibility/2006">
-    <mc:Choice xmlns:p14="http://schemas.microsoft.com/office/powerpoint/2010/main" Requires="p14">
+  <mc:AlternateContent xmlns:mc="http://schemas.openxmlformats.org/markup-compatibility/2006" xmlns:p14="http://schemas.microsoft.com/office/powerpoint/2010/main">
+    <mc:Choice Requires="p14">
       <p:transition spd="slow" p14:dur="1250">
         <p14:switch dir="r"/>
       </p:transition>
     </mc:Choice>
-    <mc:Fallback>
+    <mc:Fallback xmlns="">
       <p:transition spd="slow">
         <p:fade/>
       </p:transition>
@@ -5692,7 +5692,7 @@
           <a:p>
             <a:fld id="{AF428C18-7B4D-4F6A-BEEE-E26D9D266513}" type="datetimeFigureOut">
               <a:rPr lang="de-AT" smtClean="0"/>
-              <a:t>21.06.2018</a:t>
+              <a:t>22.06.2018</a:t>
             </a:fld>
             <a:endParaRPr lang="de-AT"/>
           </a:p>
@@ -5762,13 +5762,13 @@
   <p:clrMapOvr>
     <a:masterClrMapping/>
   </p:clrMapOvr>
-  <mc:AlternateContent xmlns:mc="http://schemas.openxmlformats.org/markup-compatibility/2006">
-    <mc:Choice xmlns:p14="http://schemas.microsoft.com/office/powerpoint/2010/main" Requires="p14">
+  <mc:AlternateContent xmlns:mc="http://schemas.openxmlformats.org/markup-compatibility/2006" xmlns:p14="http://schemas.microsoft.com/office/powerpoint/2010/main">
+    <mc:Choice Requires="p14">
       <p:transition spd="slow" p14:dur="1250">
         <p14:switch dir="r"/>
       </p:transition>
     </mc:Choice>
-    <mc:Fallback>
+    <mc:Fallback xmlns="">
       <p:transition spd="slow">
         <p:fade/>
       </p:transition>
@@ -5846,7 +5846,7 @@
           <a:p>
             <a:fld id="{AF428C18-7B4D-4F6A-BEEE-E26D9D266513}" type="datetimeFigureOut">
               <a:rPr lang="de-AT" smtClean="0"/>
-              <a:t>21.06.2018</a:t>
+              <a:t>22.06.2018</a:t>
             </a:fld>
             <a:endParaRPr lang="de-AT"/>
           </a:p>
@@ -5916,13 +5916,13 @@
   <p:clrMapOvr>
     <a:masterClrMapping/>
   </p:clrMapOvr>
-  <mc:AlternateContent xmlns:mc="http://schemas.openxmlformats.org/markup-compatibility/2006">
-    <mc:Choice xmlns:p14="http://schemas.microsoft.com/office/powerpoint/2010/main" Requires="p14">
+  <mc:AlternateContent xmlns:mc="http://schemas.openxmlformats.org/markup-compatibility/2006" xmlns:p14="http://schemas.microsoft.com/office/powerpoint/2010/main">
+    <mc:Choice Requires="p14">
       <p:transition spd="slow" p14:dur="1250">
         <p14:switch dir="r"/>
       </p:transition>
     </mc:Choice>
-    <mc:Fallback>
+    <mc:Fallback xmlns="">
       <p:transition spd="slow">
         <p:fade/>
       </p:transition>
@@ -5971,7 +5971,7 @@
           <a:p>
             <a:fld id="{AF428C18-7B4D-4F6A-BEEE-E26D9D266513}" type="datetimeFigureOut">
               <a:rPr lang="de-AT" smtClean="0"/>
-              <a:t>21.06.2018</a:t>
+              <a:t>22.06.2018</a:t>
             </a:fld>
             <a:endParaRPr lang="de-AT"/>
           </a:p>
@@ -6041,13 +6041,13 @@
   <p:clrMapOvr>
     <a:masterClrMapping/>
   </p:clrMapOvr>
-  <mc:AlternateContent xmlns:mc="http://schemas.openxmlformats.org/markup-compatibility/2006">
-    <mc:Choice xmlns:p14="http://schemas.microsoft.com/office/powerpoint/2010/main" Requires="p14">
+  <mc:AlternateContent xmlns:mc="http://schemas.openxmlformats.org/markup-compatibility/2006" xmlns:p14="http://schemas.microsoft.com/office/powerpoint/2010/main">
+    <mc:Choice Requires="p14">
       <p:transition spd="slow" p14:dur="1250">
         <p14:switch dir="r"/>
       </p:transition>
     </mc:Choice>
-    <mc:Fallback>
+    <mc:Fallback xmlns="">
       <p:transition spd="slow">
         <p:fade/>
       </p:transition>
@@ -6296,7 +6296,7 @@
           <a:p>
             <a:fld id="{AF428C18-7B4D-4F6A-BEEE-E26D9D266513}" type="datetimeFigureOut">
               <a:rPr lang="de-AT" smtClean="0"/>
-              <a:t>21.06.2018</a:t>
+              <a:t>22.06.2018</a:t>
             </a:fld>
             <a:endParaRPr lang="de-AT"/>
           </a:p>
@@ -6366,13 +6366,13 @@
   <p:clrMapOvr>
     <a:masterClrMapping/>
   </p:clrMapOvr>
-  <mc:AlternateContent xmlns:mc="http://schemas.openxmlformats.org/markup-compatibility/2006">
-    <mc:Choice xmlns:p14="http://schemas.microsoft.com/office/powerpoint/2010/main" Requires="p14">
+  <mc:AlternateContent xmlns:mc="http://schemas.openxmlformats.org/markup-compatibility/2006" xmlns:p14="http://schemas.microsoft.com/office/powerpoint/2010/main">
+    <mc:Choice Requires="p14">
       <p:transition spd="slow" p14:dur="1250">
         <p14:switch dir="r"/>
       </p:transition>
     </mc:Choice>
-    <mc:Fallback>
+    <mc:Fallback xmlns="">
       <p:transition spd="slow">
         <p:fade/>
       </p:transition>
@@ -6597,7 +6597,7 @@
           <a:p>
             <a:fld id="{AF428C18-7B4D-4F6A-BEEE-E26D9D266513}" type="datetimeFigureOut">
               <a:rPr lang="de-AT" smtClean="0"/>
-              <a:t>21.06.2018</a:t>
+              <a:t>22.06.2018</a:t>
             </a:fld>
             <a:endParaRPr lang="de-AT"/>
           </a:p>
@@ -6667,13 +6667,13 @@
   <p:clrMapOvr>
     <a:masterClrMapping/>
   </p:clrMapOvr>
-  <mc:AlternateContent xmlns:mc="http://schemas.openxmlformats.org/markup-compatibility/2006">
-    <mc:Choice xmlns:p14="http://schemas.microsoft.com/office/powerpoint/2010/main" Requires="p14">
+  <mc:AlternateContent xmlns:mc="http://schemas.openxmlformats.org/markup-compatibility/2006" xmlns:p14="http://schemas.microsoft.com/office/powerpoint/2010/main">
+    <mc:Choice Requires="p14">
       <p:transition spd="slow" p14:dur="1250">
         <p14:switch dir="r"/>
       </p:transition>
     </mc:Choice>
-    <mc:Fallback>
+    <mc:Fallback xmlns="">
       <p:transition spd="slow">
         <p:fade/>
       </p:transition>
@@ -6852,7 +6852,7 @@
           <a:p>
             <a:fld id="{AF428C18-7B4D-4F6A-BEEE-E26D9D266513}" type="datetimeFigureOut">
               <a:rPr lang="de-AT" smtClean="0"/>
-              <a:t>21.06.2018</a:t>
+              <a:t>22.06.2018</a:t>
             </a:fld>
             <a:endParaRPr lang="de-AT"/>
           </a:p>
@@ -6969,13 +6969,13 @@
     <p:sldLayoutId id="2147483658" r:id="rId10"/>
     <p:sldLayoutId id="2147483659" r:id="rId11"/>
   </p:sldLayoutIdLst>
-  <mc:AlternateContent xmlns:mc="http://schemas.openxmlformats.org/markup-compatibility/2006">
-    <mc:Choice xmlns:p14="http://schemas.microsoft.com/office/powerpoint/2010/main" Requires="p14">
+  <mc:AlternateContent xmlns:mc="http://schemas.openxmlformats.org/markup-compatibility/2006" xmlns:p14="http://schemas.microsoft.com/office/powerpoint/2010/main">
+    <mc:Choice Requires="p14">
       <p:transition spd="slow" p14:dur="1250">
         <p14:switch dir="r"/>
       </p:transition>
     </mc:Choice>
-    <mc:Fallback>
+    <mc:Fallback xmlns="">
       <p:transition spd="slow">
         <p:fade/>
       </p:transition>
@@ -7777,11 +7777,11 @@
   <p:clrMapOvr>
     <a:overrideClrMapping bg1="dk1" tx1="lt1" bg2="dk2" tx2="lt2" accent1="accent1" accent2="accent2" accent3="accent3" accent4="accent4" accent5="accent5" accent6="accent6" hlink="hlink" folHlink="folHlink"/>
   </p:clrMapOvr>
-  <mc:AlternateContent xmlns:mc="http://schemas.openxmlformats.org/markup-compatibility/2006">
-    <mc:Choice xmlns:p14="http://schemas.microsoft.com/office/powerpoint/2010/main" Requires="p14">
+  <mc:AlternateContent xmlns:mc="http://schemas.openxmlformats.org/markup-compatibility/2006" xmlns:p14="http://schemas.microsoft.com/office/powerpoint/2010/main">
+    <mc:Choice Requires="p14">
       <p:transition p14:dur="0"/>
     </mc:Choice>
-    <mc:Fallback>
+    <mc:Fallback xmlns="">
       <p:transition/>
     </mc:Fallback>
   </mc:AlternateContent>
@@ -8334,13 +8334,13 @@
   <p:clrMapOvr>
     <a:overrideClrMapping bg1="dk1" tx1="lt1" bg2="dk2" tx2="lt2" accent1="accent1" accent2="accent2" accent3="accent3" accent4="accent4" accent5="accent5" accent6="accent6" hlink="hlink" folHlink="folHlink"/>
   </p:clrMapOvr>
-  <mc:AlternateContent xmlns:mc="http://schemas.openxmlformats.org/markup-compatibility/2006">
-    <mc:Choice xmlns:p14="http://schemas.microsoft.com/office/powerpoint/2010/main" Requires="p14">
+  <mc:AlternateContent xmlns:mc="http://schemas.openxmlformats.org/markup-compatibility/2006" xmlns:p14="http://schemas.microsoft.com/office/powerpoint/2010/main">
+    <mc:Choice Requires="p14">
       <p:transition spd="slow" p14:dur="1250">
         <p14:switch dir="r"/>
       </p:transition>
     </mc:Choice>
-    <mc:Fallback>
+    <mc:Fallback xmlns="">
       <p:transition spd="slow">
         <p:fade/>
       </p:transition>
@@ -8812,13 +8812,22 @@
         </p:spPr>
         <p:txBody>
           <a:bodyPr anchor="t">
-            <a:normAutofit/>
+            <a:normAutofit lnSpcReduction="10000"/>
           </a:bodyPr>
           <a:lstStyle/>
           <a:p>
             <a:r>
               <a:rPr lang="de-DE" dirty="0"/>
-              <a:t>Grafiken:</a:t>
+              <a:t>Dokumentation		~	     8h</a:t>
+            </a:r>
+          </a:p>
+          <a:p>
+            <a:endParaRPr lang="de-DE" dirty="0"/>
+          </a:p>
+          <a:p>
+            <a:r>
+              <a:rPr lang="de-DE" dirty="0"/>
+              <a:t>Grafiken			~	   50h</a:t>
             </a:r>
           </a:p>
           <a:p>
@@ -8828,7 +8837,7 @@
           <a:p>
             <a:r>
               <a:rPr lang="de-DE" dirty="0"/>
-              <a:t>Front-End:</a:t>
+              <a:t>Front-End			~	 150h</a:t>
             </a:r>
           </a:p>
           <a:p>
@@ -8838,7 +8847,7 @@
           <a:p>
             <a:r>
               <a:rPr lang="de-DE" dirty="0"/>
-              <a:t>Back-End:</a:t>
+              <a:t>Back-End			~	   50h</a:t>
             </a:r>
           </a:p>
           <a:p>
@@ -8848,7 +8857,7 @@
           <a:p>
             <a:r>
               <a:rPr lang="de-DE" dirty="0"/>
-              <a:t>Marketing:</a:t>
+              <a:t>Marketing			~	   10h</a:t>
             </a:r>
           </a:p>
           <a:p>
@@ -8866,13 +8875,13 @@
   <p:clrMapOvr>
     <a:overrideClrMapping bg1="dk1" tx1="lt1" bg2="dk2" tx2="lt2" accent1="accent1" accent2="accent2" accent3="accent3" accent4="accent4" accent5="accent5" accent6="accent6" hlink="hlink" folHlink="folHlink"/>
   </p:clrMapOvr>
-  <mc:AlternateContent xmlns:mc="http://schemas.openxmlformats.org/markup-compatibility/2006">
-    <mc:Choice xmlns:p14="http://schemas.microsoft.com/office/powerpoint/2010/main" Requires="p14">
+  <mc:AlternateContent xmlns:mc="http://schemas.openxmlformats.org/markup-compatibility/2006" xmlns:p14="http://schemas.microsoft.com/office/powerpoint/2010/main">
+    <mc:Choice Requires="p14">
       <p:transition spd="slow" p14:dur="1250">
         <p14:switch dir="r"/>
       </p:transition>
     </mc:Choice>
-    <mc:Fallback>
+    <mc:Fallback xmlns="">
       <p:transition spd="slow">
         <p:fade/>
       </p:transition>
@@ -9264,13 +9273,13 @@
   <p:clrMapOvr>
     <a:overrideClrMapping bg1="dk1" tx1="lt1" bg2="dk2" tx2="lt2" accent1="accent1" accent2="accent2" accent3="accent3" accent4="accent4" accent5="accent5" accent6="accent6" hlink="hlink" folHlink="folHlink"/>
   </p:clrMapOvr>
-  <mc:AlternateContent xmlns:mc="http://schemas.openxmlformats.org/markup-compatibility/2006">
-    <mc:Choice xmlns:p14="http://schemas.microsoft.com/office/powerpoint/2010/main" Requires="p14">
+  <mc:AlternateContent xmlns:mc="http://schemas.openxmlformats.org/markup-compatibility/2006" xmlns:p14="http://schemas.microsoft.com/office/powerpoint/2010/main">
+    <mc:Choice Requires="p14">
       <p:transition spd="slow" p14:dur="1250">
         <p14:switch dir="r"/>
       </p:transition>
     </mc:Choice>
-    <mc:Fallback>
+    <mc:Fallback xmlns="">
       <p:transition spd="slow">
         <p:fade/>
       </p:transition>
@@ -9791,13 +9800,13 @@
   <p:clrMapOvr>
     <a:masterClrMapping/>
   </p:clrMapOvr>
-  <mc:AlternateContent xmlns:mc="http://schemas.openxmlformats.org/markup-compatibility/2006">
-    <mc:Choice xmlns:p14="http://schemas.microsoft.com/office/powerpoint/2010/main" Requires="p14">
+  <mc:AlternateContent xmlns:mc="http://schemas.openxmlformats.org/markup-compatibility/2006" xmlns:p14="http://schemas.microsoft.com/office/powerpoint/2010/main">
+    <mc:Choice Requires="p14">
       <p:transition spd="slow" p14:dur="1250">
         <p14:switch dir="r"/>
       </p:transition>
     </mc:Choice>
-    <mc:Fallback>
+    <mc:Fallback xmlns="">
       <p:transition spd="slow">
         <p:fade/>
       </p:transition>

--- a/PR-Folder/Projekt_blob_präsentation.pptx
+++ b/PR-Folder/Projekt_blob_präsentation.pptx
@@ -8827,7 +8827,7 @@
           <a:p>
             <a:r>
               <a:rPr lang="de-DE" dirty="0"/>
-              <a:t>Grafiken			~	   50h</a:t>
+              <a:t>Grafiken			~	   70h</a:t>
             </a:r>
           </a:p>
           <a:p>

--- a/PR-Folder/Projekt_blob_präsentation.pptx
+++ b/PR-Folder/Projekt_blob_präsentation.pptx
@@ -7,9 +7,10 @@
   <p:sldIdLst>
     <p:sldId id="256" r:id="rId2"/>
     <p:sldId id="257" r:id="rId3"/>
-    <p:sldId id="258" r:id="rId4"/>
-    <p:sldId id="260" r:id="rId5"/>
-    <p:sldId id="261" r:id="rId6"/>
+    <p:sldId id="262" r:id="rId4"/>
+    <p:sldId id="258" r:id="rId5"/>
+    <p:sldId id="260" r:id="rId6"/>
+    <p:sldId id="261" r:id="rId7"/>
   </p:sldIdLst>
   <p:sldSz cx="12192000" cy="6858000"/>
   <p:notesSz cx="6858000" cy="9144000"/>
@@ -878,21 +879,25 @@
       </dgm:t>
     </dgm:pt>
     <dgm:pt modelId="{ED8E35C6-8E88-4C59-B424-C288A99EE72C}">
-      <dgm:prSet/>
+      <dgm:prSet custT="1"/>
       <dgm:spPr/>
       <dgm:t>
         <a:bodyPr/>
         <a:lstStyle/>
         <a:p>
           <a:r>
-            <a:rPr lang="de-DE" dirty="0" err="1"/>
+            <a:rPr lang="de-DE" sz="2400" b="1" dirty="0" err="1"/>
             <a:t>Jetbrains</a:t>
           </a:r>
           <a:r>
-            <a:rPr lang="de-DE" dirty="0"/>
-            <a:t> PHP Storm</a:t>
+            <a:rPr lang="de-DE" sz="2400" b="1" dirty="0"/>
+            <a:t> </a:t>
           </a:r>
-          <a:endParaRPr lang="en-US" dirty="0"/>
+          <a:r>
+            <a:rPr lang="de-DE" sz="2400" b="1" dirty="0" err="1"/>
+            <a:t>PHPStorm</a:t>
+          </a:r>
+          <a:endParaRPr lang="en-US" sz="2400" b="1" dirty="0"/>
         </a:p>
       </dgm:t>
     </dgm:pt>
@@ -919,17 +924,17 @@
       </dgm:t>
     </dgm:pt>
     <dgm:pt modelId="{E6167DBB-18F7-43BE-AE13-88B1DF9A34FC}">
-      <dgm:prSet/>
+      <dgm:prSet custT="1"/>
       <dgm:spPr/>
       <dgm:t>
         <a:bodyPr/>
         <a:lstStyle/>
         <a:p>
           <a:r>
-            <a:rPr lang="de-DE"/>
+            <a:rPr lang="de-DE" sz="2400" b="1" dirty="0"/>
             <a:t>AI</a:t>
           </a:r>
-          <a:endParaRPr lang="en-US"/>
+          <a:endParaRPr lang="en-US" sz="2400" b="1" dirty="0"/>
         </a:p>
       </dgm:t>
     </dgm:pt>
@@ -956,17 +961,17 @@
       </dgm:t>
     </dgm:pt>
     <dgm:pt modelId="{C39740A6-5A82-419D-9817-CCE43EE0263C}">
-      <dgm:prSet/>
+      <dgm:prSet custT="1"/>
       <dgm:spPr/>
       <dgm:t>
         <a:bodyPr/>
         <a:lstStyle/>
         <a:p>
           <a:r>
-            <a:rPr lang="de-DE"/>
+            <a:rPr lang="de-DE" sz="2400" b="1" dirty="0"/>
             <a:t>PS</a:t>
           </a:r>
-          <a:endParaRPr lang="en-US"/>
+          <a:endParaRPr lang="en-US" sz="2400" b="1" dirty="0"/>
         </a:p>
       </dgm:t>
     </dgm:pt>
@@ -993,21 +998,25 @@
       </dgm:t>
     </dgm:pt>
     <dgm:pt modelId="{90245723-24F1-4E44-A964-E12CB171BFFB}">
-      <dgm:prSet/>
+      <dgm:prSet custT="1"/>
       <dgm:spPr/>
       <dgm:t>
         <a:bodyPr/>
         <a:lstStyle/>
         <a:p>
           <a:r>
-            <a:rPr lang="de-DE" dirty="0" err="1"/>
+            <a:rPr lang="de-DE" sz="2400" b="1" dirty="0" err="1"/>
             <a:t>Git</a:t>
           </a:r>
           <a:r>
-            <a:rPr lang="de-DE" dirty="0"/>
-            <a:t> Hub</a:t>
+            <a:rPr lang="de-DE" sz="2400" dirty="0"/>
+            <a:t> </a:t>
           </a:r>
-          <a:endParaRPr lang="en-US" dirty="0"/>
+          <a:r>
+            <a:rPr lang="de-DE" sz="2400" b="1" dirty="0"/>
+            <a:t>Hub</a:t>
+          </a:r>
+          <a:endParaRPr lang="en-US" sz="2400" b="1" dirty="0"/>
         </a:p>
       </dgm:t>
     </dgm:pt>
@@ -1034,17 +1043,17 @@
       </dgm:t>
     </dgm:pt>
     <dgm:pt modelId="{3045B8C9-1EEF-495B-899C-5D41581F3417}">
-      <dgm:prSet/>
+      <dgm:prSet custT="1"/>
       <dgm:spPr/>
       <dgm:t>
         <a:bodyPr/>
         <a:lstStyle/>
         <a:p>
           <a:r>
-            <a:rPr lang="de-DE"/>
+            <a:rPr lang="de-DE" sz="2400" b="1" dirty="0"/>
             <a:t>Docker</a:t>
           </a:r>
-          <a:endParaRPr lang="en-US"/>
+          <a:endParaRPr lang="en-US" sz="2400" b="1" dirty="0"/>
         </a:p>
       </dgm:t>
     </dgm:pt>
@@ -1071,17 +1080,17 @@
       </dgm:t>
     </dgm:pt>
     <dgm:pt modelId="{7B0A64E3-F948-4B17-90B1-DE7AA37EAB84}">
-      <dgm:prSet/>
+      <dgm:prSet custT="1"/>
       <dgm:spPr/>
       <dgm:t>
         <a:bodyPr/>
         <a:lstStyle/>
         <a:p>
           <a:r>
-            <a:rPr lang="de-DE" dirty="0"/>
+            <a:rPr lang="de-DE" sz="2400" b="1" dirty="0"/>
             <a:t>CoreOS</a:t>
           </a:r>
-          <a:endParaRPr lang="en-US" dirty="0"/>
+          <a:endParaRPr lang="en-US" sz="2400" b="1" dirty="0"/>
         </a:p>
       </dgm:t>
     </dgm:pt>
@@ -1108,14 +1117,14 @@
       </dgm:t>
     </dgm:pt>
     <dgm:pt modelId="{8DAD36FC-CC5D-40D5-BA5D-CB109AD44128}">
-      <dgm:prSet/>
+      <dgm:prSet custT="1"/>
       <dgm:spPr/>
       <dgm:t>
         <a:bodyPr/>
         <a:lstStyle/>
         <a:p>
           <a:r>
-            <a:rPr lang="de-DE" dirty="0"/>
+            <a:rPr lang="de-DE" sz="2400" b="1" dirty="0"/>
             <a:t>Audacity</a:t>
           </a:r>
         </a:p>
@@ -1144,25 +1153,25 @@
       </dgm:t>
     </dgm:pt>
     <dgm:pt modelId="{D48F11A7-1F16-4F9E-9D91-56FD10BA69E5}">
-      <dgm:prSet/>
+      <dgm:prSet custT="1"/>
       <dgm:spPr/>
       <dgm:t>
         <a:bodyPr/>
         <a:lstStyle/>
         <a:p>
           <a:r>
-            <a:rPr lang="en-US" dirty="0" err="1"/>
+            <a:rPr lang="en-US" sz="2400" b="1" dirty="0" err="1"/>
             <a:t>PhP</a:t>
           </a:r>
           <a:r>
-            <a:rPr lang="en-US" dirty="0"/>
+            <a:rPr lang="en-US" sz="2400" dirty="0"/>
             <a:t> </a:t>
           </a:r>
           <a:r>
-            <a:rPr lang="en-US" dirty="0" err="1"/>
+            <a:rPr lang="en-US" sz="2400" b="1" dirty="0" err="1"/>
             <a:t>myAdmin</a:t>
           </a:r>
-          <a:endParaRPr lang="en-US" dirty="0"/>
+          <a:endParaRPr lang="en-US" sz="2400" b="1" dirty="0"/>
         </a:p>
       </dgm:t>
     </dgm:pt>
@@ -1189,14 +1198,14 @@
       </dgm:t>
     </dgm:pt>
     <dgm:pt modelId="{A38CDF4A-6BB3-4227-956F-ADC19B605F5D}">
-      <dgm:prSet/>
+      <dgm:prSet custT="1"/>
       <dgm:spPr/>
       <dgm:t>
         <a:bodyPr/>
         <a:lstStyle/>
         <a:p>
           <a:r>
-            <a:rPr lang="en-US" dirty="0"/>
+            <a:rPr lang="en-US" sz="2400" b="1" dirty="0"/>
             <a:t>Word</a:t>
           </a:r>
         </a:p>
@@ -1732,12 +1741,12 @@
         <a:fontRef idx="minor"/>
       </dsp:style>
       <dsp:txBody>
-        <a:bodyPr spcFirstLastPara="0" vert="horz" wrap="square" lIns="135128" tIns="135128" rIns="135128" bIns="0" numCol="1" spcCol="1270" anchor="t" anchorCtr="0">
+        <a:bodyPr spcFirstLastPara="0" vert="horz" wrap="square" lIns="170688" tIns="170688" rIns="170688" bIns="0" numCol="1" spcCol="1270" anchor="t" anchorCtr="0">
           <a:noAutofit/>
         </a:bodyPr>
         <a:lstStyle/>
         <a:p>
-          <a:pPr marL="0" lvl="0" indent="0" algn="ctr" defTabSz="844550">
+          <a:pPr marL="0" lvl="0" indent="0" algn="ctr" defTabSz="1066800">
             <a:lnSpc>
               <a:spcPct val="90000"/>
             </a:lnSpc>
@@ -1750,14 +1759,18 @@
             <a:buNone/>
           </a:pPr>
           <a:r>
-            <a:rPr lang="de-DE" sz="1900" kern="1200" dirty="0" err="1"/>
+            <a:rPr lang="de-DE" sz="2400" b="1" kern="1200" dirty="0" err="1"/>
             <a:t>Jetbrains</a:t>
           </a:r>
           <a:r>
-            <a:rPr lang="de-DE" sz="1900" kern="1200" dirty="0"/>
-            <a:t> PHP Storm</a:t>
+            <a:rPr lang="de-DE" sz="2400" b="1" kern="1200" dirty="0"/>
+            <a:t> </a:t>
           </a:r>
-          <a:endParaRPr lang="en-US" sz="1900" kern="1200" dirty="0"/>
+          <a:r>
+            <a:rPr lang="de-DE" sz="2400" b="1" kern="1200" dirty="0" err="1"/>
+            <a:t>PHPStorm</a:t>
+          </a:r>
+          <a:endParaRPr lang="en-US" sz="2400" b="1" kern="1200" dirty="0"/>
         </a:p>
       </dsp:txBody>
       <dsp:txXfrm>
@@ -1852,12 +1865,12 @@
         <a:fontRef idx="minor"/>
       </dsp:style>
       <dsp:txBody>
-        <a:bodyPr spcFirstLastPara="0" vert="horz" wrap="square" lIns="135128" tIns="135128" rIns="135128" bIns="0" numCol="1" spcCol="1270" anchor="t" anchorCtr="0">
+        <a:bodyPr spcFirstLastPara="0" vert="horz" wrap="square" lIns="170688" tIns="170688" rIns="170688" bIns="0" numCol="1" spcCol="1270" anchor="t" anchorCtr="0">
           <a:noAutofit/>
         </a:bodyPr>
         <a:lstStyle/>
         <a:p>
-          <a:pPr marL="0" lvl="0" indent="0" algn="ctr" defTabSz="844550">
+          <a:pPr marL="0" lvl="0" indent="0" algn="ctr" defTabSz="1066800">
             <a:lnSpc>
               <a:spcPct val="90000"/>
             </a:lnSpc>
@@ -1870,10 +1883,10 @@
             <a:buNone/>
           </a:pPr>
           <a:r>
-            <a:rPr lang="de-DE" sz="1900" kern="1200"/>
+            <a:rPr lang="de-DE" sz="2400" b="1" kern="1200" dirty="0"/>
             <a:t>AI</a:t>
           </a:r>
-          <a:endParaRPr lang="en-US" sz="1900" kern="1200"/>
+          <a:endParaRPr lang="en-US" sz="2400" b="1" kern="1200" dirty="0"/>
         </a:p>
       </dsp:txBody>
       <dsp:txXfrm>
@@ -1968,12 +1981,12 @@
         <a:fontRef idx="minor"/>
       </dsp:style>
       <dsp:txBody>
-        <a:bodyPr spcFirstLastPara="0" vert="horz" wrap="square" lIns="135128" tIns="135128" rIns="135128" bIns="0" numCol="1" spcCol="1270" anchor="t" anchorCtr="0">
+        <a:bodyPr spcFirstLastPara="0" vert="horz" wrap="square" lIns="170688" tIns="170688" rIns="170688" bIns="0" numCol="1" spcCol="1270" anchor="t" anchorCtr="0">
           <a:noAutofit/>
         </a:bodyPr>
         <a:lstStyle/>
         <a:p>
-          <a:pPr marL="0" lvl="0" indent="0" algn="ctr" defTabSz="844550">
+          <a:pPr marL="0" lvl="0" indent="0" algn="ctr" defTabSz="1066800">
             <a:lnSpc>
               <a:spcPct val="90000"/>
             </a:lnSpc>
@@ -1986,10 +1999,10 @@
             <a:buNone/>
           </a:pPr>
           <a:r>
-            <a:rPr lang="de-DE" sz="1900" kern="1200"/>
+            <a:rPr lang="de-DE" sz="2400" b="1" kern="1200" dirty="0"/>
             <a:t>PS</a:t>
           </a:r>
-          <a:endParaRPr lang="en-US" sz="1900" kern="1200"/>
+          <a:endParaRPr lang="en-US" sz="2400" b="1" kern="1200" dirty="0"/>
         </a:p>
       </dsp:txBody>
       <dsp:txXfrm>
@@ -2084,12 +2097,12 @@
         <a:fontRef idx="minor"/>
       </dsp:style>
       <dsp:txBody>
-        <a:bodyPr spcFirstLastPara="0" vert="horz" wrap="square" lIns="135128" tIns="135128" rIns="135128" bIns="0" numCol="1" spcCol="1270" anchor="t" anchorCtr="0">
+        <a:bodyPr spcFirstLastPara="0" vert="horz" wrap="square" lIns="170688" tIns="170688" rIns="170688" bIns="0" numCol="1" spcCol="1270" anchor="t" anchorCtr="0">
           <a:noAutofit/>
         </a:bodyPr>
         <a:lstStyle/>
         <a:p>
-          <a:pPr marL="0" lvl="0" indent="0" algn="ctr" defTabSz="844550">
+          <a:pPr marL="0" lvl="0" indent="0" algn="ctr" defTabSz="1066800">
             <a:lnSpc>
               <a:spcPct val="90000"/>
             </a:lnSpc>
@@ -2102,14 +2115,18 @@
             <a:buNone/>
           </a:pPr>
           <a:r>
-            <a:rPr lang="de-DE" sz="1900" kern="1200" dirty="0" err="1"/>
+            <a:rPr lang="de-DE" sz="2400" b="1" kern="1200" dirty="0" err="1"/>
             <a:t>Git</a:t>
           </a:r>
           <a:r>
-            <a:rPr lang="de-DE" sz="1900" kern="1200" dirty="0"/>
-            <a:t> Hub</a:t>
+            <a:rPr lang="de-DE" sz="2400" kern="1200" dirty="0"/>
+            <a:t> </a:t>
           </a:r>
-          <a:endParaRPr lang="en-US" sz="1900" kern="1200" dirty="0"/>
+          <a:r>
+            <a:rPr lang="de-DE" sz="2400" b="1" kern="1200" dirty="0"/>
+            <a:t>Hub</a:t>
+          </a:r>
+          <a:endParaRPr lang="en-US" sz="2400" b="1" kern="1200" dirty="0"/>
         </a:p>
       </dsp:txBody>
       <dsp:txXfrm>
@@ -2204,12 +2221,12 @@
         <a:fontRef idx="minor"/>
       </dsp:style>
       <dsp:txBody>
-        <a:bodyPr spcFirstLastPara="0" vert="horz" wrap="square" lIns="135128" tIns="135128" rIns="135128" bIns="0" numCol="1" spcCol="1270" anchor="t" anchorCtr="0">
+        <a:bodyPr spcFirstLastPara="0" vert="horz" wrap="square" lIns="170688" tIns="170688" rIns="170688" bIns="0" numCol="1" spcCol="1270" anchor="t" anchorCtr="0">
           <a:noAutofit/>
         </a:bodyPr>
         <a:lstStyle/>
         <a:p>
-          <a:pPr marL="0" lvl="0" indent="0" algn="ctr" defTabSz="844550">
+          <a:pPr marL="0" lvl="0" indent="0" algn="ctr" defTabSz="1066800">
             <a:lnSpc>
               <a:spcPct val="90000"/>
             </a:lnSpc>
@@ -2222,7 +2239,7 @@
             <a:buNone/>
           </a:pPr>
           <a:r>
-            <a:rPr lang="en-US" sz="1900" kern="1200" dirty="0"/>
+            <a:rPr lang="en-US" sz="2400" b="1" kern="1200" dirty="0"/>
             <a:t>Word</a:t>
           </a:r>
         </a:p>
@@ -2319,12 +2336,12 @@
         <a:fontRef idx="minor"/>
       </dsp:style>
       <dsp:txBody>
-        <a:bodyPr spcFirstLastPara="0" vert="horz" wrap="square" lIns="135128" tIns="135128" rIns="135128" bIns="0" numCol="1" spcCol="1270" anchor="t" anchorCtr="0">
+        <a:bodyPr spcFirstLastPara="0" vert="horz" wrap="square" lIns="170688" tIns="170688" rIns="170688" bIns="0" numCol="1" spcCol="1270" anchor="t" anchorCtr="0">
           <a:noAutofit/>
         </a:bodyPr>
         <a:lstStyle/>
         <a:p>
-          <a:pPr marL="0" lvl="0" indent="0" algn="ctr" defTabSz="844550">
+          <a:pPr marL="0" lvl="0" indent="0" algn="ctr" defTabSz="1066800">
             <a:lnSpc>
               <a:spcPct val="90000"/>
             </a:lnSpc>
@@ -2337,10 +2354,10 @@
             <a:buNone/>
           </a:pPr>
           <a:r>
-            <a:rPr lang="de-DE" sz="1900" kern="1200"/>
+            <a:rPr lang="de-DE" sz="2400" b="1" kern="1200" dirty="0"/>
             <a:t>Docker</a:t>
           </a:r>
-          <a:endParaRPr lang="en-US" sz="1900" kern="1200"/>
+          <a:endParaRPr lang="en-US" sz="2400" b="1" kern="1200" dirty="0"/>
         </a:p>
       </dsp:txBody>
       <dsp:txXfrm>
@@ -2435,12 +2452,12 @@
         <a:fontRef idx="minor"/>
       </dsp:style>
       <dsp:txBody>
-        <a:bodyPr spcFirstLastPara="0" vert="horz" wrap="square" lIns="135128" tIns="135128" rIns="135128" bIns="0" numCol="1" spcCol="1270" anchor="t" anchorCtr="0">
+        <a:bodyPr spcFirstLastPara="0" vert="horz" wrap="square" lIns="170688" tIns="170688" rIns="170688" bIns="0" numCol="1" spcCol="1270" anchor="t" anchorCtr="0">
           <a:noAutofit/>
         </a:bodyPr>
         <a:lstStyle/>
         <a:p>
-          <a:pPr marL="0" lvl="0" indent="0" algn="ctr" defTabSz="844550">
+          <a:pPr marL="0" lvl="0" indent="0" algn="ctr" defTabSz="1066800">
             <a:lnSpc>
               <a:spcPct val="90000"/>
             </a:lnSpc>
@@ -2453,10 +2470,10 @@
             <a:buNone/>
           </a:pPr>
           <a:r>
-            <a:rPr lang="de-DE" sz="1900" kern="1200" dirty="0"/>
+            <a:rPr lang="de-DE" sz="2400" b="1" kern="1200" dirty="0"/>
             <a:t>CoreOS</a:t>
           </a:r>
-          <a:endParaRPr lang="en-US" sz="1900" kern="1200" dirty="0"/>
+          <a:endParaRPr lang="en-US" sz="2400" b="1" kern="1200" dirty="0"/>
         </a:p>
       </dsp:txBody>
       <dsp:txXfrm>
@@ -2551,12 +2568,12 @@
         <a:fontRef idx="minor"/>
       </dsp:style>
       <dsp:txBody>
-        <a:bodyPr spcFirstLastPara="0" vert="horz" wrap="square" lIns="135128" tIns="135128" rIns="135128" bIns="0" numCol="1" spcCol="1270" anchor="t" anchorCtr="0">
+        <a:bodyPr spcFirstLastPara="0" vert="horz" wrap="square" lIns="170688" tIns="170688" rIns="170688" bIns="0" numCol="1" spcCol="1270" anchor="t" anchorCtr="0">
           <a:noAutofit/>
         </a:bodyPr>
         <a:lstStyle/>
         <a:p>
-          <a:pPr marL="0" lvl="0" indent="0" algn="ctr" defTabSz="844550">
+          <a:pPr marL="0" lvl="0" indent="0" algn="ctr" defTabSz="1066800">
             <a:lnSpc>
               <a:spcPct val="90000"/>
             </a:lnSpc>
@@ -2569,18 +2586,18 @@
             <a:buNone/>
           </a:pPr>
           <a:r>
-            <a:rPr lang="en-US" sz="1900" kern="1200" dirty="0" err="1"/>
+            <a:rPr lang="en-US" sz="2400" b="1" kern="1200" dirty="0" err="1"/>
             <a:t>PhP</a:t>
           </a:r>
           <a:r>
-            <a:rPr lang="en-US" sz="1900" kern="1200" dirty="0"/>
+            <a:rPr lang="en-US" sz="2400" kern="1200" dirty="0"/>
             <a:t> </a:t>
           </a:r>
           <a:r>
-            <a:rPr lang="en-US" sz="1900" kern="1200" dirty="0" err="1"/>
+            <a:rPr lang="en-US" sz="2400" b="1" kern="1200" dirty="0" err="1"/>
             <a:t>myAdmin</a:t>
           </a:r>
-          <a:endParaRPr lang="en-US" sz="1900" kern="1200" dirty="0"/>
+          <a:endParaRPr lang="en-US" sz="2400" b="1" kern="1200" dirty="0"/>
         </a:p>
       </dsp:txBody>
       <dsp:txXfrm>
@@ -2675,12 +2692,12 @@
         <a:fontRef idx="minor"/>
       </dsp:style>
       <dsp:txBody>
-        <a:bodyPr spcFirstLastPara="0" vert="horz" wrap="square" lIns="135128" tIns="135128" rIns="135128" bIns="0" numCol="1" spcCol="1270" anchor="t" anchorCtr="0">
+        <a:bodyPr spcFirstLastPara="0" vert="horz" wrap="square" lIns="170688" tIns="170688" rIns="170688" bIns="0" numCol="1" spcCol="1270" anchor="t" anchorCtr="0">
           <a:noAutofit/>
         </a:bodyPr>
         <a:lstStyle/>
         <a:p>
-          <a:pPr marL="0" lvl="0" indent="0" algn="ctr" defTabSz="844550">
+          <a:pPr marL="0" lvl="0" indent="0" algn="ctr" defTabSz="1066800">
             <a:lnSpc>
               <a:spcPct val="90000"/>
             </a:lnSpc>
@@ -2693,7 +2710,7 @@
             <a:buNone/>
           </a:pPr>
           <a:r>
-            <a:rPr lang="de-DE" sz="1900" kern="1200" dirty="0"/>
+            <a:rPr lang="de-DE" sz="2400" b="1" kern="1200" dirty="0"/>
             <a:t>Audacity</a:t>
           </a:r>
         </a:p>
@@ -4051,7 +4068,7 @@
           <a:p>
             <a:fld id="{AF428C18-7B4D-4F6A-BEEE-E26D9D266513}" type="datetimeFigureOut">
               <a:rPr lang="de-AT" smtClean="0"/>
-              <a:t>22.06.2018</a:t>
+              <a:t>25.06.2018</a:t>
             </a:fld>
             <a:endParaRPr lang="de-AT"/>
           </a:p>
@@ -4263,7 +4280,7 @@
           <a:p>
             <a:fld id="{AF428C18-7B4D-4F6A-BEEE-E26D9D266513}" type="datetimeFigureOut">
               <a:rPr lang="de-AT" smtClean="0"/>
-              <a:t>22.06.2018</a:t>
+              <a:t>25.06.2018</a:t>
             </a:fld>
             <a:endParaRPr lang="de-AT"/>
           </a:p>
@@ -4485,7 +4502,7 @@
           <a:p>
             <a:fld id="{AF428C18-7B4D-4F6A-BEEE-E26D9D266513}" type="datetimeFigureOut">
               <a:rPr lang="de-AT" smtClean="0"/>
-              <a:t>22.06.2018</a:t>
+              <a:t>25.06.2018</a:t>
             </a:fld>
             <a:endParaRPr lang="de-AT"/>
           </a:p>
@@ -4697,7 +4714,7 @@
           <a:p>
             <a:fld id="{AF428C18-7B4D-4F6A-BEEE-E26D9D266513}" type="datetimeFigureOut">
               <a:rPr lang="de-AT" smtClean="0"/>
-              <a:t>22.06.2018</a:t>
+              <a:t>25.06.2018</a:t>
             </a:fld>
             <a:endParaRPr lang="de-AT"/>
           </a:p>
@@ -4985,7 +5002,7 @@
           <a:p>
             <a:fld id="{AF428C18-7B4D-4F6A-BEEE-E26D9D266513}" type="datetimeFigureOut">
               <a:rPr lang="de-AT" smtClean="0"/>
-              <a:t>22.06.2018</a:t>
+              <a:t>25.06.2018</a:t>
             </a:fld>
             <a:endParaRPr lang="de-AT"/>
           </a:p>
@@ -5265,7 +5282,7 @@
           <a:p>
             <a:fld id="{AF428C18-7B4D-4F6A-BEEE-E26D9D266513}" type="datetimeFigureOut">
               <a:rPr lang="de-AT" smtClean="0"/>
-              <a:t>22.06.2018</a:t>
+              <a:t>25.06.2018</a:t>
             </a:fld>
             <a:endParaRPr lang="de-AT"/>
           </a:p>
@@ -5692,7 +5709,7 @@
           <a:p>
             <a:fld id="{AF428C18-7B4D-4F6A-BEEE-E26D9D266513}" type="datetimeFigureOut">
               <a:rPr lang="de-AT" smtClean="0"/>
-              <a:t>22.06.2018</a:t>
+              <a:t>25.06.2018</a:t>
             </a:fld>
             <a:endParaRPr lang="de-AT"/>
           </a:p>
@@ -5846,7 +5863,7 @@
           <a:p>
             <a:fld id="{AF428C18-7B4D-4F6A-BEEE-E26D9D266513}" type="datetimeFigureOut">
               <a:rPr lang="de-AT" smtClean="0"/>
-              <a:t>22.06.2018</a:t>
+              <a:t>25.06.2018</a:t>
             </a:fld>
             <a:endParaRPr lang="de-AT"/>
           </a:p>
@@ -5971,7 +5988,7 @@
           <a:p>
             <a:fld id="{AF428C18-7B4D-4F6A-BEEE-E26D9D266513}" type="datetimeFigureOut">
               <a:rPr lang="de-AT" smtClean="0"/>
-              <a:t>22.06.2018</a:t>
+              <a:t>25.06.2018</a:t>
             </a:fld>
             <a:endParaRPr lang="de-AT"/>
           </a:p>
@@ -6296,7 +6313,7 @@
           <a:p>
             <a:fld id="{AF428C18-7B4D-4F6A-BEEE-E26D9D266513}" type="datetimeFigureOut">
               <a:rPr lang="de-AT" smtClean="0"/>
-              <a:t>22.06.2018</a:t>
+              <a:t>25.06.2018</a:t>
             </a:fld>
             <a:endParaRPr lang="de-AT"/>
           </a:p>
@@ -6597,7 +6614,7 @@
           <a:p>
             <a:fld id="{AF428C18-7B4D-4F6A-BEEE-E26D9D266513}" type="datetimeFigureOut">
               <a:rPr lang="de-AT" smtClean="0"/>
-              <a:t>22.06.2018</a:t>
+              <a:t>25.06.2018</a:t>
             </a:fld>
             <a:endParaRPr lang="de-AT"/>
           </a:p>
@@ -6852,7 +6869,7 @@
           <a:p>
             <a:fld id="{AF428C18-7B4D-4F6A-BEEE-E26D9D266513}" type="datetimeFigureOut">
               <a:rPr lang="de-AT" smtClean="0"/>
-              <a:t>22.06.2018</a:t>
+              <a:t>25.06.2018</a:t>
             </a:fld>
             <a:endParaRPr lang="de-AT"/>
           </a:p>
@@ -7550,7 +7567,7 @@
           <a:p>
             <a:pPr algn="l"/>
             <a:r>
-              <a:rPr lang="de-DE" sz="7200" dirty="0">
+              <a:rPr lang="de-DE" sz="7200" b="1" dirty="0">
                 <a:effectLst>
                   <a:glow rad="101600">
                     <a:schemeClr val="accent3">
@@ -7567,7 +7584,7 @@
               </a:rPr>
               <a:t>PROJEKT BLOB</a:t>
             </a:r>
-            <a:endParaRPr lang="de-AT" sz="7200" dirty="0">
+            <a:endParaRPr lang="de-AT" sz="7200" b="1" dirty="0">
               <a:effectLst>
                 <a:glow rad="101600">
                   <a:schemeClr val="accent3">
@@ -8220,10 +8237,10 @@
           <a:lstStyle/>
           <a:p>
             <a:r>
-              <a:rPr lang="de-DE" sz="6600" dirty="0"/>
+              <a:rPr lang="de-DE" sz="6600" b="1" dirty="0"/>
               <a:t>Die Idee</a:t>
             </a:r>
-            <a:endParaRPr lang="de-AT" sz="6600" dirty="0"/>
+            <a:endParaRPr lang="de-AT" sz="6600" b="1" dirty="0"/>
           </a:p>
         </p:txBody>
       </p:sp>
@@ -8269,28 +8286,28 @@
           <a:p>
             <a:pPr lvl="1"/>
             <a:r>
-              <a:rPr lang="de-DE" sz="2800" dirty="0"/>
+              <a:rPr lang="de-DE" dirty="0"/>
               <a:t>Mathe</a:t>
             </a:r>
           </a:p>
           <a:p>
             <a:pPr lvl="1"/>
             <a:r>
-              <a:rPr lang="de-DE" sz="2800" dirty="0"/>
+              <a:rPr lang="de-DE" dirty="0"/>
               <a:t>Englisch</a:t>
             </a:r>
           </a:p>
           <a:p>
             <a:pPr lvl="1"/>
             <a:r>
-              <a:rPr lang="de-DE" sz="2800" dirty="0"/>
+              <a:rPr lang="de-DE" dirty="0"/>
               <a:t>Musik </a:t>
             </a:r>
           </a:p>
           <a:p>
             <a:pPr lvl="1"/>
             <a:r>
-              <a:rPr lang="de-DE" sz="2800" dirty="0"/>
+              <a:rPr lang="de-DE" dirty="0"/>
               <a:t>Deutsch</a:t>
             </a:r>
           </a:p>
@@ -8379,7 +8396,7 @@
       </p:grpSpPr>
       <p:sp>
         <p:nvSpPr>
-          <p:cNvPr id="39" name="Freeform: Shape 18">
+          <p:cNvPr id="17" name="Freeform: Shape 16">
             <a:extLst>
               <a:ext uri="{FF2B5EF4-FFF2-40B4-BE49-F238E27FC236}">
                 <a16:creationId xmlns:a16="http://schemas.microsoft.com/office/drawing/2014/main" id="{E0D60ECE-8986-45DC-B7FE-EC7699B466B8}"/>
@@ -8548,7 +8565,7 @@
       </p:sp>
       <p:sp>
         <p:nvSpPr>
-          <p:cNvPr id="40" name="Freeform: Shape 20">
+          <p:cNvPr id="19" name="Freeform: Shape 18">
             <a:extLst>
               <a:ext uri="{FF2B5EF4-FFF2-40B4-BE49-F238E27FC236}">
                 <a16:creationId xmlns:a16="http://schemas.microsoft.com/office/drawing/2014/main" id="{96964194-5878-40D2-8EC0-DDC58387FA56}"/>
@@ -8715,6 +8732,575 @@
       </p:sp>
       <p:pic>
         <p:nvPicPr>
+          <p:cNvPr id="7" name="Graphic 6">
+            <a:extLst>
+              <a:ext uri="{FF2B5EF4-FFF2-40B4-BE49-F238E27FC236}">
+                <a16:creationId xmlns:a16="http://schemas.microsoft.com/office/drawing/2014/main" id="{55D3D190-1AE6-42AF-8280-72FC29773F8F}"/>
+              </a:ext>
+            </a:extLst>
+          </p:cNvPr>
+          <p:cNvPicPr>
+            <a:picLocks noChangeAspect="1"/>
+          </p:cNvPicPr>
+          <p:nvPr/>
+        </p:nvPicPr>
+        <p:blipFill>
+          <a:blip r:embed="rId2">
+            <a:extLst>
+              <a:ext uri="{28A0092B-C50C-407E-A947-70E740481C1C}">
+                <a14:useLocalDpi xmlns:a14="http://schemas.microsoft.com/office/drawing/2010/main" val="0"/>
+              </a:ext>
+              <a:ext uri="{96DAC541-7B7A-43D3-8B79-37D633B846F1}">
+                <asvg:svgBlip xmlns:asvg="http://schemas.microsoft.com/office/drawing/2016/SVG/main" r:embed="rId3"/>
+              </a:ext>
+            </a:extLst>
+          </a:blip>
+          <a:stretch>
+            <a:fillRect/>
+          </a:stretch>
+        </p:blipFill>
+        <p:spPr>
+          <a:xfrm>
+            <a:off x="321733" y="543135"/>
+            <a:ext cx="3835488" cy="3835488"/>
+          </a:xfrm>
+          <a:prstGeom prst="rect">
+            <a:avLst/>
+          </a:prstGeom>
+        </p:spPr>
+      </p:pic>
+      <p:sp>
+        <p:nvSpPr>
+          <p:cNvPr id="2" name="Titel 1">
+            <a:extLst>
+              <a:ext uri="{FF2B5EF4-FFF2-40B4-BE49-F238E27FC236}">
+                <a16:creationId xmlns:a16="http://schemas.microsoft.com/office/drawing/2014/main" id="{753DEE4F-845B-4933-8A35-9B5FFEF910BB}"/>
+              </a:ext>
+            </a:extLst>
+          </p:cNvPr>
+          <p:cNvSpPr>
+            <a:spLocks noGrp="1"/>
+          </p:cNvSpPr>
+          <p:nvPr>
+            <p:ph type="title"/>
+          </p:nvPr>
+        </p:nvSpPr>
+        <p:spPr>
+          <a:xfrm>
+            <a:off x="6053668" y="803325"/>
+            <a:ext cx="5314536" cy="1325563"/>
+          </a:xfrm>
+        </p:spPr>
+        <p:txBody>
+          <a:bodyPr>
+            <a:normAutofit/>
+          </a:bodyPr>
+          <a:lstStyle/>
+          <a:p>
+            <a:r>
+              <a:rPr lang="de-AT" sz="6600" b="1" dirty="0"/>
+              <a:t>Team</a:t>
+            </a:r>
+          </a:p>
+        </p:txBody>
+      </p:sp>
+      <p:sp>
+        <p:nvSpPr>
+          <p:cNvPr id="3" name="Inhaltsplatzhalter 2">
+            <a:extLst>
+              <a:ext uri="{FF2B5EF4-FFF2-40B4-BE49-F238E27FC236}">
+                <a16:creationId xmlns:a16="http://schemas.microsoft.com/office/drawing/2014/main" id="{ABDD6D9E-C4C3-4412-BEBC-F75120291856}"/>
+              </a:ext>
+            </a:extLst>
+          </p:cNvPr>
+          <p:cNvSpPr>
+            <a:spLocks noGrp="1"/>
+          </p:cNvSpPr>
+          <p:nvPr>
+            <p:ph idx="1"/>
+          </p:nvPr>
+        </p:nvSpPr>
+        <p:spPr>
+          <a:xfrm>
+            <a:off x="6053666" y="2279018"/>
+            <a:ext cx="6025557" cy="4085206"/>
+          </a:xfrm>
+        </p:spPr>
+        <p:txBody>
+          <a:bodyPr anchor="t">
+            <a:normAutofit lnSpcReduction="10000"/>
+          </a:bodyPr>
+          <a:lstStyle/>
+          <a:p>
+            <a:r>
+              <a:rPr lang="de-AT" b="1" dirty="0"/>
+              <a:t>Projektleitung/Entwicklung/Grafik</a:t>
+            </a:r>
+          </a:p>
+          <a:p>
+            <a:pPr lvl="1"/>
+            <a:r>
+              <a:rPr lang="de-AT" dirty="0"/>
+              <a:t>Philipp Kollau</a:t>
+            </a:r>
+            <a:endParaRPr lang="de-AT" sz="500" dirty="0"/>
+          </a:p>
+          <a:p>
+            <a:r>
+              <a:rPr lang="de-AT" b="1" dirty="0"/>
+              <a:t>Entwicklung</a:t>
+            </a:r>
+          </a:p>
+          <a:p>
+            <a:pPr lvl="1"/>
+            <a:r>
+              <a:rPr lang="de-AT" dirty="0"/>
+              <a:t>Severin Mairinger</a:t>
+            </a:r>
+          </a:p>
+          <a:p>
+            <a:pPr lvl="1"/>
+            <a:r>
+              <a:rPr lang="de-AT" dirty="0"/>
+              <a:t>Marc Koppler</a:t>
+            </a:r>
+          </a:p>
+          <a:p>
+            <a:r>
+              <a:rPr lang="de-AT" b="1" dirty="0"/>
+              <a:t>Entwicklung/Marketing</a:t>
+            </a:r>
+          </a:p>
+          <a:p>
+            <a:pPr lvl="1"/>
+            <a:r>
+              <a:rPr lang="de-AT" dirty="0"/>
+              <a:t>Bernd </a:t>
+            </a:r>
+            <a:r>
+              <a:rPr lang="de-AT" dirty="0" err="1"/>
+              <a:t>Altmanninger</a:t>
+            </a:r>
+            <a:endParaRPr lang="de-AT" dirty="0"/>
+          </a:p>
+          <a:p>
+            <a:r>
+              <a:rPr lang="de-AT" b="1" dirty="0"/>
+              <a:t>Grafik</a:t>
+            </a:r>
+          </a:p>
+          <a:p>
+            <a:pPr lvl="1"/>
+            <a:r>
+              <a:rPr lang="de-AT" dirty="0"/>
+              <a:t>Michael </a:t>
+            </a:r>
+            <a:r>
+              <a:rPr lang="de-AT" dirty="0" err="1"/>
+              <a:t>Kaser</a:t>
+            </a:r>
+            <a:endParaRPr lang="de-AT" dirty="0"/>
+          </a:p>
+          <a:p>
+            <a:pPr lvl="1"/>
+            <a:r>
+              <a:rPr lang="de-AT" dirty="0"/>
+              <a:t>Michael Frühwirth</a:t>
+            </a:r>
+          </a:p>
+        </p:txBody>
+      </p:sp>
+    </p:spTree>
+    <p:extLst>
+      <p:ext uri="{BB962C8B-B14F-4D97-AF65-F5344CB8AC3E}">
+        <p14:creationId xmlns:p14="http://schemas.microsoft.com/office/powerpoint/2010/main" val="1927499928"/>
+      </p:ext>
+    </p:extLst>
+  </p:cSld>
+  <p:clrMapOvr>
+    <a:overrideClrMapping bg1="dk1" tx1="lt1" bg2="dk2" tx2="lt2" accent1="accent1" accent2="accent2" accent3="accent3" accent4="accent4" accent5="accent5" accent6="accent6" hlink="hlink" folHlink="folHlink"/>
+  </p:clrMapOvr>
+  <mc:AlternateContent xmlns:mc="http://schemas.openxmlformats.org/markup-compatibility/2006" xmlns:p14="http://schemas.microsoft.com/office/powerpoint/2010/main">
+    <mc:Choice Requires="p14">
+      <p:transition spd="slow" p14:dur="1250">
+        <p14:switch dir="r"/>
+      </p:transition>
+    </mc:Choice>
+    <mc:Fallback xmlns="">
+      <p:transition spd="slow">
+        <p:fade/>
+      </p:transition>
+    </mc:Fallback>
+  </mc:AlternateContent>
+</p:sld>
+</file>
+
+<file path=ppt/slides/slide4.xml><?xml version="1.0" encoding="utf-8"?>
+<p:sld xmlns:a="http://schemas.openxmlformats.org/drawingml/2006/main" xmlns:r="http://schemas.openxmlformats.org/officeDocument/2006/relationships" xmlns:p="http://schemas.openxmlformats.org/presentationml/2006/main">
+  <p:cSld>
+    <p:bg>
+      <p:bgPr>
+        <a:solidFill>
+          <a:schemeClr val="bg1">
+            <a:tint val="95000"/>
+            <a:satMod val="170000"/>
+          </a:schemeClr>
+        </a:solidFill>
+        <a:effectLst/>
+      </p:bgPr>
+    </p:bg>
+    <p:spTree>
+      <p:nvGrpSpPr>
+        <p:cNvPr id="1" name=""/>
+        <p:cNvGrpSpPr/>
+        <p:nvPr/>
+      </p:nvGrpSpPr>
+      <p:grpSpPr>
+        <a:xfrm>
+          <a:off x="0" y="0"/>
+          <a:ext cx="0" cy="0"/>
+          <a:chOff x="0" y="0"/>
+          <a:chExt cx="0" cy="0"/>
+        </a:xfrm>
+      </p:grpSpPr>
+      <p:sp>
+        <p:nvSpPr>
+          <p:cNvPr id="39" name="Freeform: Shape 18">
+            <a:extLst>
+              <a:ext uri="{FF2B5EF4-FFF2-40B4-BE49-F238E27FC236}">
+                <a16:creationId xmlns:a16="http://schemas.microsoft.com/office/drawing/2014/main" id="{E0D60ECE-8986-45DC-B7FE-EC7699B466B8}"/>
+              </a:ext>
+              <a:ext uri="{C183D7F6-B498-43B3-948B-1728B52AA6E4}">
+                <adec:decorative xmlns:adec="http://schemas.microsoft.com/office/drawing/2017/decorative" val="1"/>
+              </a:ext>
+            </a:extLst>
+          </p:cNvPr>
+          <p:cNvSpPr>
+            <a:spLocks noGrp="1" noRot="1" noChangeAspect="1" noMove="1" noResize="1" noEditPoints="1" noAdjustHandles="1" noChangeArrowheads="1" noChangeShapeType="1" noTextEdit="1"/>
+          </p:cNvSpPr>
+          <p:nvPr>
+            <p:extLst>
+              <p:ext uri="{386F3935-93C4-4BCD-93E2-E3B085C9AB24}">
+                <p16:designElem xmlns:p16="http://schemas.microsoft.com/office/powerpoint/2015/main" val="1"/>
+              </p:ext>
+            </p:extLst>
+          </p:nvPr>
+        </p:nvSpPr>
+        <p:spPr>
+          <a:xfrm>
+            <a:off x="1" y="0"/>
+            <a:ext cx="5438829" cy="5840278"/>
+          </a:xfrm>
+          <a:custGeom>
+            <a:avLst/>
+            <a:gdLst>
+              <a:gd name="connsiteX0" fmla="*/ 0 w 5438829"/>
+              <a:gd name="connsiteY0" fmla="*/ 0 h 5840278"/>
+              <a:gd name="connsiteX1" fmla="*/ 4466700 w 5438829"/>
+              <a:gd name="connsiteY1" fmla="*/ 0 h 5840278"/>
+              <a:gd name="connsiteX2" fmla="*/ 4652178 w 5438829"/>
+              <a:gd name="connsiteY2" fmla="*/ 204077 h 5840278"/>
+              <a:gd name="connsiteX3" fmla="*/ 5438829 w 5438829"/>
+              <a:gd name="connsiteY3" fmla="*/ 2395363 h 5840278"/>
+              <a:gd name="connsiteX4" fmla="*/ 1993914 w 5438829"/>
+              <a:gd name="connsiteY4" fmla="*/ 5840278 h 5840278"/>
+              <a:gd name="connsiteX5" fmla="*/ 67829 w 5438829"/>
+              <a:gd name="connsiteY5" fmla="*/ 5251941 h 5840278"/>
+              <a:gd name="connsiteX6" fmla="*/ 0 w 5438829"/>
+              <a:gd name="connsiteY6" fmla="*/ 5201220 h 5840278"/>
+            </a:gdLst>
+            <a:ahLst/>
+            <a:cxnLst>
+              <a:cxn ang="0">
+                <a:pos x="connsiteX0" y="connsiteY0"/>
+              </a:cxn>
+              <a:cxn ang="0">
+                <a:pos x="connsiteX1" y="connsiteY1"/>
+              </a:cxn>
+              <a:cxn ang="0">
+                <a:pos x="connsiteX2" y="connsiteY2"/>
+              </a:cxn>
+              <a:cxn ang="0">
+                <a:pos x="connsiteX3" y="connsiteY3"/>
+              </a:cxn>
+              <a:cxn ang="0">
+                <a:pos x="connsiteX4" y="connsiteY4"/>
+              </a:cxn>
+              <a:cxn ang="0">
+                <a:pos x="connsiteX5" y="connsiteY5"/>
+              </a:cxn>
+              <a:cxn ang="0">
+                <a:pos x="connsiteX6" y="connsiteY6"/>
+              </a:cxn>
+            </a:cxnLst>
+            <a:rect l="l" t="t" r="r" b="b"/>
+            <a:pathLst>
+              <a:path w="5438829" h="5840278">
+                <a:moveTo>
+                  <a:pt x="0" y="0"/>
+                </a:moveTo>
+                <a:lnTo>
+                  <a:pt x="4466700" y="0"/>
+                </a:lnTo>
+                <a:lnTo>
+                  <a:pt x="4652178" y="204077"/>
+                </a:lnTo>
+                <a:cubicBezTo>
+                  <a:pt x="5143616" y="799562"/>
+                  <a:pt x="5438829" y="1562987"/>
+                  <a:pt x="5438829" y="2395363"/>
+                </a:cubicBezTo>
+                <a:cubicBezTo>
+                  <a:pt x="5438829" y="4297937"/>
+                  <a:pt x="3896488" y="5840278"/>
+                  <a:pt x="1993914" y="5840278"/>
+                </a:cubicBezTo>
+                <a:cubicBezTo>
+                  <a:pt x="1280449" y="5840278"/>
+                  <a:pt x="617641" y="5623387"/>
+                  <a:pt x="67829" y="5251941"/>
+                </a:cubicBezTo>
+                <a:lnTo>
+                  <a:pt x="0" y="5201220"/>
+                </a:lnTo>
+                <a:close/>
+              </a:path>
+            </a:pathLst>
+          </a:custGeom>
+          <a:solidFill>
+            <a:srgbClr val="FFFFFF">
+              <a:alpha val="80000"/>
+            </a:srgbClr>
+          </a:solidFill>
+          <a:ln>
+            <a:noFill/>
+          </a:ln>
+        </p:spPr>
+        <p:style>
+          <a:lnRef idx="2">
+            <a:schemeClr val="accent1">
+              <a:shade val="50000"/>
+            </a:schemeClr>
+          </a:lnRef>
+          <a:fillRef idx="1">
+            <a:schemeClr val="accent1"/>
+          </a:fillRef>
+          <a:effectRef idx="0">
+            <a:schemeClr val="accent1"/>
+          </a:effectRef>
+          <a:fontRef idx="minor">
+            <a:schemeClr val="lt1"/>
+          </a:fontRef>
+        </p:style>
+        <p:txBody>
+          <a:bodyPr wrap="square" rtlCol="0" anchor="ctr">
+            <a:noAutofit/>
+          </a:bodyPr>
+          <a:lstStyle/>
+          <a:p>
+            <a:pPr marL="0" marR="0" lvl="0" indent="0" algn="ctr" defTabSz="914400" rtl="0" eaLnBrk="1" fontAlgn="auto" latinLnBrk="0" hangingPunct="1">
+              <a:lnSpc>
+                <a:spcPct val="100000"/>
+              </a:lnSpc>
+              <a:spcBef>
+                <a:spcPts val="0"/>
+              </a:spcBef>
+              <a:spcAft>
+                <a:spcPts val="0"/>
+              </a:spcAft>
+              <a:buClrTx/>
+              <a:buSzTx/>
+              <a:buFontTx/>
+              <a:buNone/>
+              <a:tabLst/>
+              <a:defRPr/>
+            </a:pPr>
+            <a:endParaRPr kumimoji="0" lang="en-US" sz="1800" b="0" i="0" u="none" strike="noStrike" kern="1200" cap="none" spc="0" normalizeH="0" baseline="0" noProof="0">
+              <a:ln>
+                <a:noFill/>
+              </a:ln>
+              <a:solidFill>
+                <a:prstClr val="white"/>
+              </a:solidFill>
+              <a:effectLst/>
+              <a:uLnTx/>
+              <a:uFillTx/>
+              <a:latin typeface="Calibri" panose="020F0502020204030204"/>
+              <a:ea typeface="+mn-ea"/>
+              <a:cs typeface="+mn-cs"/>
+            </a:endParaRPr>
+          </a:p>
+        </p:txBody>
+      </p:sp>
+      <p:sp>
+        <p:nvSpPr>
+          <p:cNvPr id="40" name="Freeform: Shape 20">
+            <a:extLst>
+              <a:ext uri="{FF2B5EF4-FFF2-40B4-BE49-F238E27FC236}">
+                <a16:creationId xmlns:a16="http://schemas.microsoft.com/office/drawing/2014/main" id="{96964194-5878-40D2-8EC0-DDC58387FA56}"/>
+              </a:ext>
+              <a:ext uri="{C183D7F6-B498-43B3-948B-1728B52AA6E4}">
+                <adec:decorative xmlns:adec="http://schemas.microsoft.com/office/drawing/2017/decorative" val="1"/>
+              </a:ext>
+            </a:extLst>
+          </p:cNvPr>
+          <p:cNvSpPr>
+            <a:spLocks noGrp="1" noRot="1" noChangeAspect="1" noMove="1" noResize="1" noEditPoints="1" noAdjustHandles="1" noChangeArrowheads="1" noChangeShapeType="1" noTextEdit="1"/>
+          </p:cNvSpPr>
+          <p:nvPr>
+            <p:extLst>
+              <p:ext uri="{386F3935-93C4-4BCD-93E2-E3B085C9AB24}">
+                <p16:designElem xmlns:p16="http://schemas.microsoft.com/office/powerpoint/2015/main" val="1"/>
+              </p:ext>
+            </p:extLst>
+          </p:nvPr>
+        </p:nvSpPr>
+        <p:spPr>
+          <a:xfrm>
+            <a:off x="0" y="0"/>
+            <a:ext cx="5269134" cy="5654940"/>
+          </a:xfrm>
+          <a:custGeom>
+            <a:avLst/>
+            <a:gdLst>
+              <a:gd name="connsiteX0" fmla="*/ 0 w 5269134"/>
+              <a:gd name="connsiteY0" fmla="*/ 0 h 5654940"/>
+              <a:gd name="connsiteX1" fmla="*/ 4227767 w 5269134"/>
+              <a:gd name="connsiteY1" fmla="*/ 0 h 5654940"/>
+              <a:gd name="connsiteX2" fmla="*/ 4312042 w 5269134"/>
+              <a:gd name="connsiteY2" fmla="*/ 76595 h 5654940"/>
+              <a:gd name="connsiteX3" fmla="*/ 5269134 w 5269134"/>
+              <a:gd name="connsiteY3" fmla="*/ 2387221 h 5654940"/>
+              <a:gd name="connsiteX4" fmla="*/ 2001415 w 5269134"/>
+              <a:gd name="connsiteY4" fmla="*/ 5654940 h 5654940"/>
+              <a:gd name="connsiteX5" fmla="*/ 198928 w 5269134"/>
+              <a:gd name="connsiteY5" fmla="*/ 5113274 h 5654940"/>
+              <a:gd name="connsiteX6" fmla="*/ 0 w 5269134"/>
+              <a:gd name="connsiteY6" fmla="*/ 4969563 h 5654940"/>
+            </a:gdLst>
+            <a:ahLst/>
+            <a:cxnLst>
+              <a:cxn ang="0">
+                <a:pos x="connsiteX0" y="connsiteY0"/>
+              </a:cxn>
+              <a:cxn ang="0">
+                <a:pos x="connsiteX1" y="connsiteY1"/>
+              </a:cxn>
+              <a:cxn ang="0">
+                <a:pos x="connsiteX2" y="connsiteY2"/>
+              </a:cxn>
+              <a:cxn ang="0">
+                <a:pos x="connsiteX3" y="connsiteY3"/>
+              </a:cxn>
+              <a:cxn ang="0">
+                <a:pos x="connsiteX4" y="connsiteY4"/>
+              </a:cxn>
+              <a:cxn ang="0">
+                <a:pos x="connsiteX5" y="connsiteY5"/>
+              </a:cxn>
+              <a:cxn ang="0">
+                <a:pos x="connsiteX6" y="connsiteY6"/>
+              </a:cxn>
+            </a:cxnLst>
+            <a:rect l="l" t="t" r="r" b="b"/>
+            <a:pathLst>
+              <a:path w="5269134" h="5654940">
+                <a:moveTo>
+                  <a:pt x="0" y="0"/>
+                </a:moveTo>
+                <a:lnTo>
+                  <a:pt x="4227767" y="0"/>
+                </a:lnTo>
+                <a:lnTo>
+                  <a:pt x="4312042" y="76595"/>
+                </a:lnTo>
+                <a:cubicBezTo>
+                  <a:pt x="4903383" y="667936"/>
+                  <a:pt x="5269134" y="1484866"/>
+                  <a:pt x="5269134" y="2387221"/>
+                </a:cubicBezTo>
+                <a:cubicBezTo>
+                  <a:pt x="5269134" y="4191932"/>
+                  <a:pt x="3806126" y="5654940"/>
+                  <a:pt x="2001415" y="5654940"/>
+                </a:cubicBezTo>
+                <a:cubicBezTo>
+                  <a:pt x="1335223" y="5654940"/>
+                  <a:pt x="715593" y="5455584"/>
+                  <a:pt x="198928" y="5113274"/>
+                </a:cubicBezTo>
+                <a:lnTo>
+                  <a:pt x="0" y="4969563"/>
+                </a:lnTo>
+                <a:close/>
+              </a:path>
+            </a:pathLst>
+          </a:custGeom>
+          <a:solidFill>
+            <a:schemeClr val="tx1"/>
+          </a:solidFill>
+          <a:ln>
+            <a:noFill/>
+          </a:ln>
+        </p:spPr>
+        <p:style>
+          <a:lnRef idx="2">
+            <a:schemeClr val="accent1">
+              <a:shade val="50000"/>
+            </a:schemeClr>
+          </a:lnRef>
+          <a:fillRef idx="1">
+            <a:schemeClr val="accent1"/>
+          </a:fillRef>
+          <a:effectRef idx="0">
+            <a:schemeClr val="accent1"/>
+          </a:effectRef>
+          <a:fontRef idx="minor">
+            <a:schemeClr val="lt1"/>
+          </a:fontRef>
+        </p:style>
+        <p:txBody>
+          <a:bodyPr wrap="square" rtlCol="0" anchor="ctr">
+            <a:noAutofit/>
+          </a:bodyPr>
+          <a:lstStyle/>
+          <a:p>
+            <a:pPr marL="0" marR="0" lvl="0" indent="0" algn="ctr" defTabSz="914400" rtl="0" eaLnBrk="1" fontAlgn="auto" latinLnBrk="0" hangingPunct="1">
+              <a:lnSpc>
+                <a:spcPct val="100000"/>
+              </a:lnSpc>
+              <a:spcBef>
+                <a:spcPts val="0"/>
+              </a:spcBef>
+              <a:spcAft>
+                <a:spcPts val="0"/>
+              </a:spcAft>
+              <a:buClrTx/>
+              <a:buSzTx/>
+              <a:buFontTx/>
+              <a:buNone/>
+              <a:tabLst/>
+              <a:defRPr/>
+            </a:pPr>
+            <a:endParaRPr kumimoji="0" lang="en-US" sz="1800" b="0" i="0" u="none" strike="noStrike" kern="1200" cap="none" spc="0" normalizeH="0" baseline="0" noProof="0">
+              <a:ln>
+                <a:noFill/>
+              </a:ln>
+              <a:solidFill>
+                <a:prstClr val="white"/>
+              </a:solidFill>
+              <a:effectLst/>
+              <a:uLnTx/>
+              <a:uFillTx/>
+              <a:latin typeface="Calibri" panose="020F0502020204030204"/>
+              <a:ea typeface="+mn-ea"/>
+              <a:cs typeface="+mn-cs"/>
+            </a:endParaRPr>
+          </a:p>
+        </p:txBody>
+      </p:sp>
+      <p:pic>
+        <p:nvPicPr>
           <p:cNvPr id="16" name="Graphic 15">
             <a:extLst>
               <a:ext uri="{FF2B5EF4-FFF2-40B4-BE49-F238E27FC236}">
@@ -8781,10 +9367,10 @@
           <a:lstStyle/>
           <a:p>
             <a:r>
-              <a:rPr lang="de-DE" sz="6600" dirty="0"/>
+              <a:rPr lang="de-DE" sz="6600" b="1" dirty="0"/>
               <a:t>Arbeitsaufwand</a:t>
             </a:r>
-            <a:endParaRPr lang="de-AT" sz="6600" dirty="0"/>
+            <a:endParaRPr lang="de-AT" sz="6600" b="1" dirty="0"/>
           </a:p>
         </p:txBody>
       </p:sp>
@@ -8817,17 +9403,25 @@
           <a:lstStyle/>
           <a:p>
             <a:r>
-              <a:rPr lang="de-DE" dirty="0"/>
-              <a:t>Dokumentation		~	     8h</a:t>
+              <a:rPr lang="de-DE" b="1" dirty="0"/>
+              <a:t>Dokumentation</a:t>
             </a:r>
-          </a:p>
-          <a:p>
-            <a:endParaRPr lang="de-DE" dirty="0"/>
-          </a:p>
-          <a:p>
             <a:r>
               <a:rPr lang="de-DE" dirty="0"/>
-              <a:t>Grafiken			~	   70h</a:t>
+              <a:t>		~	     8h</a:t>
+            </a:r>
+          </a:p>
+          <a:p>
+            <a:endParaRPr lang="de-DE" dirty="0"/>
+          </a:p>
+          <a:p>
+            <a:r>
+              <a:rPr lang="de-DE" b="1" dirty="0"/>
+              <a:t>Grafiken</a:t>
+            </a:r>
+            <a:r>
+              <a:rPr lang="de-DE" dirty="0"/>
+              <a:t>			~	   70h</a:t>
             </a:r>
           </a:p>
           <a:p>
@@ -8836,8 +9430,12 @@
           </a:p>
           <a:p>
             <a:r>
+              <a:rPr lang="de-DE" b="1" dirty="0"/>
+              <a:t>Front-End</a:t>
+            </a:r>
+            <a:r>
               <a:rPr lang="de-DE" dirty="0"/>
-              <a:t>Front-End			~	 150h</a:t>
+              <a:t>			~	 150h</a:t>
             </a:r>
           </a:p>
           <a:p>
@@ -8846,8 +9444,12 @@
           </a:p>
           <a:p>
             <a:r>
+              <a:rPr lang="de-DE" b="1" dirty="0"/>
+              <a:t>Back-End</a:t>
+            </a:r>
+            <a:r>
               <a:rPr lang="de-DE" dirty="0"/>
-              <a:t>Back-End			~	   50h</a:t>
+              <a:t>			~	   50h</a:t>
             </a:r>
           </a:p>
           <a:p>
@@ -8856,8 +9458,12 @@
           </a:p>
           <a:p>
             <a:r>
+              <a:rPr lang="de-DE" b="1" dirty="0"/>
+              <a:t>Marketing</a:t>
+            </a:r>
+            <a:r>
               <a:rPr lang="de-DE" dirty="0"/>
-              <a:t>Marketing			~	   10h</a:t>
+              <a:t>			~	   10h</a:t>
             </a:r>
           </a:p>
           <a:p>
@@ -8890,7 +9496,7 @@
 </p:sld>
 </file>
 
-<file path=ppt/slides/slide4.xml><?xml version="1.0" encoding="utf-8"?>
+<file path=ppt/slides/slide5.xml><?xml version="1.0" encoding="utf-8"?>
 <p:sld xmlns:a="http://schemas.openxmlformats.org/drawingml/2006/main" xmlns:r="http://schemas.openxmlformats.org/officeDocument/2006/relationships" xmlns:p="http://schemas.openxmlformats.org/presentationml/2006/main">
   <p:cSld>
     <p:bg>
@@ -9248,7 +9854,7 @@
             <p:ph idx="1"/>
             <p:extLst>
               <p:ext uri="{D42A27DB-BD31-4B8C-83A1-F6EECF244321}">
-                <p14:modId xmlns:p14="http://schemas.microsoft.com/office/powerpoint/2010/main" val="4004760369"/>
+                <p14:modId xmlns:p14="http://schemas.microsoft.com/office/powerpoint/2010/main" val="3333212240"/>
               </p:ext>
             </p:extLst>
           </p:nvPr>
@@ -9288,7 +9894,7 @@
 </p:sld>
 </file>
 
-<file path=ppt/slides/slide5.xml><?xml version="1.0" encoding="utf-8"?>
+<file path=ppt/slides/slide6.xml><?xml version="1.0" encoding="utf-8"?>
 <p:sld xmlns:a="http://schemas.openxmlformats.org/drawingml/2006/main" xmlns:r="http://schemas.openxmlformats.org/officeDocument/2006/relationships" xmlns:p="http://schemas.openxmlformats.org/presentationml/2006/main">
   <p:cSld>
     <p:bg>

--- a/PR-Folder/Projekt_blob_präsentation.pptx
+++ b/PR-Folder/Projekt_blob_präsentation.pptx
@@ -4068,7 +4068,7 @@
           <a:p>
             <a:fld id="{AF428C18-7B4D-4F6A-BEEE-E26D9D266513}" type="datetimeFigureOut">
               <a:rPr lang="de-AT" smtClean="0"/>
-              <a:t>25.06.2018</a:t>
+              <a:t>26.06.2018</a:t>
             </a:fld>
             <a:endParaRPr lang="de-AT"/>
           </a:p>
@@ -4280,7 +4280,7 @@
           <a:p>
             <a:fld id="{AF428C18-7B4D-4F6A-BEEE-E26D9D266513}" type="datetimeFigureOut">
               <a:rPr lang="de-AT" smtClean="0"/>
-              <a:t>25.06.2018</a:t>
+              <a:t>26.06.2018</a:t>
             </a:fld>
             <a:endParaRPr lang="de-AT"/>
           </a:p>
@@ -4502,7 +4502,7 @@
           <a:p>
             <a:fld id="{AF428C18-7B4D-4F6A-BEEE-E26D9D266513}" type="datetimeFigureOut">
               <a:rPr lang="de-AT" smtClean="0"/>
-              <a:t>25.06.2018</a:t>
+              <a:t>26.06.2018</a:t>
             </a:fld>
             <a:endParaRPr lang="de-AT"/>
           </a:p>
@@ -4714,7 +4714,7 @@
           <a:p>
             <a:fld id="{AF428C18-7B4D-4F6A-BEEE-E26D9D266513}" type="datetimeFigureOut">
               <a:rPr lang="de-AT" smtClean="0"/>
-              <a:t>25.06.2018</a:t>
+              <a:t>26.06.2018</a:t>
             </a:fld>
             <a:endParaRPr lang="de-AT"/>
           </a:p>
@@ -5002,7 +5002,7 @@
           <a:p>
             <a:fld id="{AF428C18-7B4D-4F6A-BEEE-E26D9D266513}" type="datetimeFigureOut">
               <a:rPr lang="de-AT" smtClean="0"/>
-              <a:t>25.06.2018</a:t>
+              <a:t>26.06.2018</a:t>
             </a:fld>
             <a:endParaRPr lang="de-AT"/>
           </a:p>
@@ -5282,7 +5282,7 @@
           <a:p>
             <a:fld id="{AF428C18-7B4D-4F6A-BEEE-E26D9D266513}" type="datetimeFigureOut">
               <a:rPr lang="de-AT" smtClean="0"/>
-              <a:t>25.06.2018</a:t>
+              <a:t>26.06.2018</a:t>
             </a:fld>
             <a:endParaRPr lang="de-AT"/>
           </a:p>
@@ -5709,7 +5709,7 @@
           <a:p>
             <a:fld id="{AF428C18-7B4D-4F6A-BEEE-E26D9D266513}" type="datetimeFigureOut">
               <a:rPr lang="de-AT" smtClean="0"/>
-              <a:t>25.06.2018</a:t>
+              <a:t>26.06.2018</a:t>
             </a:fld>
             <a:endParaRPr lang="de-AT"/>
           </a:p>
@@ -5863,7 +5863,7 @@
           <a:p>
             <a:fld id="{AF428C18-7B4D-4F6A-BEEE-E26D9D266513}" type="datetimeFigureOut">
               <a:rPr lang="de-AT" smtClean="0"/>
-              <a:t>25.06.2018</a:t>
+              <a:t>26.06.2018</a:t>
             </a:fld>
             <a:endParaRPr lang="de-AT"/>
           </a:p>
@@ -5988,7 +5988,7 @@
           <a:p>
             <a:fld id="{AF428C18-7B4D-4F6A-BEEE-E26D9D266513}" type="datetimeFigureOut">
               <a:rPr lang="de-AT" smtClean="0"/>
-              <a:t>25.06.2018</a:t>
+              <a:t>26.06.2018</a:t>
             </a:fld>
             <a:endParaRPr lang="de-AT"/>
           </a:p>
@@ -6313,7 +6313,7 @@
           <a:p>
             <a:fld id="{AF428C18-7B4D-4F6A-BEEE-E26D9D266513}" type="datetimeFigureOut">
               <a:rPr lang="de-AT" smtClean="0"/>
-              <a:t>25.06.2018</a:t>
+              <a:t>26.06.2018</a:t>
             </a:fld>
             <a:endParaRPr lang="de-AT"/>
           </a:p>
@@ -6614,7 +6614,7 @@
           <a:p>
             <a:fld id="{AF428C18-7B4D-4F6A-BEEE-E26D9D266513}" type="datetimeFigureOut">
               <a:rPr lang="de-AT" smtClean="0"/>
-              <a:t>25.06.2018</a:t>
+              <a:t>26.06.2018</a:t>
             </a:fld>
             <a:endParaRPr lang="de-AT"/>
           </a:p>
@@ -6869,7 +6869,7 @@
           <a:p>
             <a:fld id="{AF428C18-7B4D-4F6A-BEEE-E26D9D266513}" type="datetimeFigureOut">
               <a:rPr lang="de-AT" smtClean="0"/>
-              <a:t>25.06.2018</a:t>
+              <a:t>26.06.2018</a:t>
             </a:fld>
             <a:endParaRPr lang="de-AT"/>
           </a:p>
@@ -8169,45 +8169,6 @@
           </a:p>
         </p:txBody>
       </p:sp>
-      <p:pic>
-        <p:nvPicPr>
-          <p:cNvPr id="19" name="Graphic 18">
-            <a:extLst>
-              <a:ext uri="{FF2B5EF4-FFF2-40B4-BE49-F238E27FC236}">
-                <a16:creationId xmlns:a16="http://schemas.microsoft.com/office/drawing/2014/main" id="{890191A2-2B01-4C3E-92EF-84691F4E91A9}"/>
-              </a:ext>
-            </a:extLst>
-          </p:cNvPr>
-          <p:cNvPicPr>
-            <a:picLocks noChangeAspect="1"/>
-          </p:cNvPicPr>
-          <p:nvPr/>
-        </p:nvPicPr>
-        <p:blipFill>
-          <a:blip r:embed="rId2">
-            <a:extLst>
-              <a:ext uri="{28A0092B-C50C-407E-A947-70E740481C1C}">
-                <a14:useLocalDpi xmlns:a14="http://schemas.microsoft.com/office/drawing/2010/main" val="0"/>
-              </a:ext>
-              <a:ext uri="{96DAC541-7B7A-43D3-8B79-37D633B846F1}">
-                <asvg:svgBlip xmlns:asvg="http://schemas.microsoft.com/office/drawing/2016/SVG/main" r:embed="rId3"/>
-              </a:ext>
-            </a:extLst>
-          </a:blip>
-          <a:stretch>
-            <a:fillRect/>
-          </a:stretch>
-        </p:blipFill>
-        <p:spPr>
-          <a:xfrm>
-            <a:off x="321733" y="543135"/>
-            <a:ext cx="3835488" cy="3835488"/>
-          </a:xfrm>
-          <a:prstGeom prst="rect">
-            <a:avLst/>
-          </a:prstGeom>
-        </p:spPr>
-      </p:pic>
       <p:sp>
         <p:nvSpPr>
           <p:cNvPr id="2" name="Titel 1">
@@ -8274,13 +8235,7 @@
           <a:p>
             <a:r>
               <a:rPr lang="de-DE" dirty="0"/>
-              <a:t>Einigung auf Wackelpudding (ursprünglich Alien)</a:t>
-            </a:r>
-          </a:p>
-          <a:p>
-            <a:r>
-              <a:rPr lang="de-DE" dirty="0"/>
-              <a:t>Verschieden Aufgaben</a:t>
+              <a:t>Verschiedene Aufgaben</a:t>
             </a:r>
           </a:p>
           <a:p>
@@ -8337,10 +8292,52 @@
             <a:endParaRPr lang="en-GB" dirty="0"/>
           </a:p>
           <a:p>
+            <a:r>
+              <a:rPr lang="de-DE" dirty="0"/>
+              <a:t>Einigung auf Wackelpudding (ursprünglich Alien)</a:t>
+            </a:r>
+          </a:p>
+          <a:p>
             <a:endParaRPr lang="de-AT" dirty="0"/>
           </a:p>
         </p:txBody>
       </p:sp>
+      <p:pic>
+        <p:nvPicPr>
+          <p:cNvPr id="7" name="Grafik 6">
+            <a:extLst>
+              <a:ext uri="{FF2B5EF4-FFF2-40B4-BE49-F238E27FC236}">
+                <a16:creationId xmlns:a16="http://schemas.microsoft.com/office/drawing/2014/main" id="{4DD02DDC-37A5-4921-AA43-5EAD0D79528F}"/>
+              </a:ext>
+            </a:extLst>
+          </p:cNvPr>
+          <p:cNvPicPr>
+            <a:picLocks noChangeAspect="1"/>
+          </p:cNvPicPr>
+          <p:nvPr/>
+        </p:nvPicPr>
+        <p:blipFill>
+          <a:blip r:embed="rId2">
+            <a:extLst>
+              <a:ext uri="{28A0092B-C50C-407E-A947-70E740481C1C}">
+                <a14:useLocalDpi xmlns:a14="http://schemas.microsoft.com/office/drawing/2010/main" val="0"/>
+              </a:ext>
+            </a:extLst>
+          </a:blip>
+          <a:stretch>
+            <a:fillRect/>
+          </a:stretch>
+        </p:blipFill>
+        <p:spPr>
+          <a:xfrm>
+            <a:off x="-1806695" y="274320"/>
+            <a:ext cx="8152428" cy="4585741"/>
+          </a:xfrm>
+          <a:prstGeom prst="rect">
+            <a:avLst/>
+          </a:prstGeom>
+        </p:spPr>
+      </p:pic>
     </p:spTree>
     <p:extLst>
       <p:ext uri="{BB962C8B-B14F-4D97-AF65-F5344CB8AC3E}">
